--- a/javaTutoring/2nd/2nd material.pptx
+++ b/javaTutoring/2nd/2nd material.pptx
@@ -5,29 +5,32 @@
     <p:sldMasterId id="2147483648" r:id="rId1"/>
   </p:sldMasterIdLst>
   <p:notesMasterIdLst>
-    <p:notesMasterId r:id="rId22"/>
+    <p:notesMasterId r:id="rId25"/>
   </p:notesMasterIdLst>
   <p:sldIdLst>
     <p:sldId id="256" r:id="rId2"/>
-    <p:sldId id="257" r:id="rId3"/>
-    <p:sldId id="261" r:id="rId4"/>
-    <p:sldId id="258" r:id="rId5"/>
-    <p:sldId id="259" r:id="rId6"/>
-    <p:sldId id="262" r:id="rId7"/>
-    <p:sldId id="263" r:id="rId8"/>
-    <p:sldId id="264" r:id="rId9"/>
-    <p:sldId id="265" r:id="rId10"/>
-    <p:sldId id="266" r:id="rId11"/>
-    <p:sldId id="267" r:id="rId12"/>
-    <p:sldId id="268" r:id="rId13"/>
-    <p:sldId id="269" r:id="rId14"/>
-    <p:sldId id="270" r:id="rId15"/>
-    <p:sldId id="275" r:id="rId16"/>
-    <p:sldId id="273" r:id="rId17"/>
-    <p:sldId id="274" r:id="rId18"/>
-    <p:sldId id="271" r:id="rId19"/>
-    <p:sldId id="272" r:id="rId20"/>
-    <p:sldId id="260" r:id="rId21"/>
+    <p:sldId id="276" r:id="rId3"/>
+    <p:sldId id="257" r:id="rId4"/>
+    <p:sldId id="261" r:id="rId5"/>
+    <p:sldId id="258" r:id="rId6"/>
+    <p:sldId id="259" r:id="rId7"/>
+    <p:sldId id="262" r:id="rId8"/>
+    <p:sldId id="263" r:id="rId9"/>
+    <p:sldId id="264" r:id="rId10"/>
+    <p:sldId id="265" r:id="rId11"/>
+    <p:sldId id="266" r:id="rId12"/>
+    <p:sldId id="267" r:id="rId13"/>
+    <p:sldId id="268" r:id="rId14"/>
+    <p:sldId id="269" r:id="rId15"/>
+    <p:sldId id="270" r:id="rId16"/>
+    <p:sldId id="275" r:id="rId17"/>
+    <p:sldId id="273" r:id="rId18"/>
+    <p:sldId id="274" r:id="rId19"/>
+    <p:sldId id="271" r:id="rId20"/>
+    <p:sldId id="272" r:id="rId21"/>
+    <p:sldId id="277" r:id="rId22"/>
+    <p:sldId id="278" r:id="rId23"/>
+    <p:sldId id="279" r:id="rId24"/>
   </p:sldIdLst>
   <p:sldSz cx="12192000" cy="6858000"/>
   <p:notesSz cx="6858000" cy="9144000"/>
@@ -126,6 +129,11 @@
       </a:defRPr>
     </a:lvl9pPr>
   </p:defaultTextStyle>
+  <p:extLst>
+    <p:ext uri="{EFAFB233-063F-42B5-8137-9DF3F51BA10A}">
+      <p15:sldGuideLst xmlns:p15="http://schemas.microsoft.com/office/powerpoint/2012/main"/>
+    </p:ext>
+  </p:extLst>
 </p:presentation>
 </file>
 
@@ -211,7 +219,7 @@
           <a:p>
             <a:fld id="{264CFE78-E281-4985-9BA9-B60F4B5E448A}" type="datetimeFigureOut">
               <a:rPr lang="ko-KR" altLang="en-US" smtClean="0"/>
-              <a:t>2020-07-12</a:t>
+              <a:t>2020-07-17</a:t>
             </a:fld>
             <a:endParaRPr lang="ko-KR" altLang="en-US"/>
           </a:p>
@@ -546,7 +554,7 @@
           <a:p>
             <a:fld id="{66F6D3A3-483A-45EA-A033-40306361CC67}" type="slidenum">
               <a:rPr lang="ko-KR" altLang="en-US" smtClean="0"/>
-              <a:t>12</a:t>
+              <a:t>13</a:t>
             </a:fld>
             <a:endParaRPr lang="ko-KR" altLang="en-US"/>
           </a:p>
@@ -712,7 +720,7 @@
           <a:p>
             <a:fld id="{500114C5-9840-46B2-9830-0C7996A63036}" type="datetimeFigureOut">
               <a:rPr lang="ko-KR" altLang="en-US" smtClean="0"/>
-              <a:t>2020-07-10</a:t>
+              <a:t>2020-07-17</a:t>
             </a:fld>
             <a:endParaRPr lang="ko-KR" altLang="en-US"/>
           </a:p>
@@ -910,7 +918,7 @@
           <a:p>
             <a:fld id="{500114C5-9840-46B2-9830-0C7996A63036}" type="datetimeFigureOut">
               <a:rPr lang="ko-KR" altLang="en-US" smtClean="0"/>
-              <a:t>2020-07-10</a:t>
+              <a:t>2020-07-17</a:t>
             </a:fld>
             <a:endParaRPr lang="ko-KR" altLang="en-US"/>
           </a:p>
@@ -1118,7 +1126,7 @@
           <a:p>
             <a:fld id="{500114C5-9840-46B2-9830-0C7996A63036}" type="datetimeFigureOut">
               <a:rPr lang="ko-KR" altLang="en-US" smtClean="0"/>
-              <a:t>2020-07-10</a:t>
+              <a:t>2020-07-17</a:t>
             </a:fld>
             <a:endParaRPr lang="ko-KR" altLang="en-US"/>
           </a:p>
@@ -1316,7 +1324,7 @@
           <a:p>
             <a:fld id="{500114C5-9840-46B2-9830-0C7996A63036}" type="datetimeFigureOut">
               <a:rPr lang="ko-KR" altLang="en-US" smtClean="0"/>
-              <a:t>2020-07-10</a:t>
+              <a:t>2020-07-17</a:t>
             </a:fld>
             <a:endParaRPr lang="ko-KR" altLang="en-US"/>
           </a:p>
@@ -1591,7 +1599,7 @@
           <a:p>
             <a:fld id="{500114C5-9840-46B2-9830-0C7996A63036}" type="datetimeFigureOut">
               <a:rPr lang="ko-KR" altLang="en-US" smtClean="0"/>
-              <a:t>2020-07-10</a:t>
+              <a:t>2020-07-17</a:t>
             </a:fld>
             <a:endParaRPr lang="ko-KR" altLang="en-US"/>
           </a:p>
@@ -1856,7 +1864,7 @@
           <a:p>
             <a:fld id="{500114C5-9840-46B2-9830-0C7996A63036}" type="datetimeFigureOut">
               <a:rPr lang="ko-KR" altLang="en-US" smtClean="0"/>
-              <a:t>2020-07-10</a:t>
+              <a:t>2020-07-17</a:t>
             </a:fld>
             <a:endParaRPr lang="ko-KR" altLang="en-US"/>
           </a:p>
@@ -2268,7 +2276,7 @@
           <a:p>
             <a:fld id="{500114C5-9840-46B2-9830-0C7996A63036}" type="datetimeFigureOut">
               <a:rPr lang="ko-KR" altLang="en-US" smtClean="0"/>
-              <a:t>2020-07-10</a:t>
+              <a:t>2020-07-17</a:t>
             </a:fld>
             <a:endParaRPr lang="ko-KR" altLang="en-US"/>
           </a:p>
@@ -2409,7 +2417,7 @@
           <a:p>
             <a:fld id="{500114C5-9840-46B2-9830-0C7996A63036}" type="datetimeFigureOut">
               <a:rPr lang="ko-KR" altLang="en-US" smtClean="0"/>
-              <a:t>2020-07-10</a:t>
+              <a:t>2020-07-17</a:t>
             </a:fld>
             <a:endParaRPr lang="ko-KR" altLang="en-US"/>
           </a:p>
@@ -2522,7 +2530,7 @@
           <a:p>
             <a:fld id="{500114C5-9840-46B2-9830-0C7996A63036}" type="datetimeFigureOut">
               <a:rPr lang="ko-KR" altLang="en-US" smtClean="0"/>
-              <a:t>2020-07-10</a:t>
+              <a:t>2020-07-17</a:t>
             </a:fld>
             <a:endParaRPr lang="ko-KR" altLang="en-US"/>
           </a:p>
@@ -2833,7 +2841,7 @@
           <a:p>
             <a:fld id="{500114C5-9840-46B2-9830-0C7996A63036}" type="datetimeFigureOut">
               <a:rPr lang="ko-KR" altLang="en-US" smtClean="0"/>
-              <a:t>2020-07-10</a:t>
+              <a:t>2020-07-17</a:t>
             </a:fld>
             <a:endParaRPr lang="ko-KR" altLang="en-US"/>
           </a:p>
@@ -3121,7 +3129,7 @@
           <a:p>
             <a:fld id="{500114C5-9840-46B2-9830-0C7996A63036}" type="datetimeFigureOut">
               <a:rPr lang="ko-KR" altLang="en-US" smtClean="0"/>
-              <a:t>2020-07-10</a:t>
+              <a:t>2020-07-17</a:t>
             </a:fld>
             <a:endParaRPr lang="ko-KR" altLang="en-US"/>
           </a:p>
@@ -3362,7 +3370,7 @@
           <a:p>
             <a:fld id="{500114C5-9840-46B2-9830-0C7996A63036}" type="datetimeFigureOut">
               <a:rPr lang="ko-KR" altLang="en-US" smtClean="0"/>
-              <a:t>2020-07-10</a:t>
+              <a:t>2020-07-17</a:t>
             </a:fld>
             <a:endParaRPr lang="ko-KR" altLang="en-US"/>
           </a:p>
@@ -3861,10 +3869,10 @@
       </p:grpSpPr>
       <p:pic>
         <p:nvPicPr>
-          <p:cNvPr id="2" name="그림 1">
-            <a:extLst>
-              <a:ext uri="{FF2B5EF4-FFF2-40B4-BE49-F238E27FC236}">
-                <a16:creationId xmlns:a16="http://schemas.microsoft.com/office/drawing/2014/main" id="{323A8249-1AAF-4967-A589-4E0527B531DC}"/>
+          <p:cNvPr id="3" name="그림 2">
+            <a:extLst>
+              <a:ext uri="{FF2B5EF4-FFF2-40B4-BE49-F238E27FC236}">
+                <a16:creationId xmlns:a16="http://schemas.microsoft.com/office/drawing/2014/main" id="{244B1475-4266-4BB7-A93F-7E7B34DADBDA}"/>
               </a:ext>
             </a:extLst>
           </p:cNvPr>
@@ -3881,70 +3889,48 @@
         </p:blipFill>
         <p:spPr>
           <a:xfrm>
-            <a:off x="2113175" y="994965"/>
-            <a:ext cx="6207865" cy="4704397"/>
+            <a:off x="1396278" y="1032430"/>
+            <a:ext cx="4699722" cy="4285300"/>
           </a:xfrm>
           <a:prstGeom prst="rect">
             <a:avLst/>
           </a:prstGeom>
         </p:spPr>
       </p:pic>
-      <p:sp>
-        <p:nvSpPr>
-          <p:cNvPr id="3" name="직사각형 2">
-            <a:extLst>
-              <a:ext uri="{FF2B5EF4-FFF2-40B4-BE49-F238E27FC236}">
-                <a16:creationId xmlns:a16="http://schemas.microsoft.com/office/drawing/2014/main" id="{925B5CDE-128A-4FFF-B3DB-90F005C0EC3E}"/>
-              </a:ext>
-            </a:extLst>
-          </p:cNvPr>
-          <p:cNvSpPr/>
+      <p:pic>
+        <p:nvPicPr>
+          <p:cNvPr id="4" name="그림 3">
+            <a:extLst>
+              <a:ext uri="{FF2B5EF4-FFF2-40B4-BE49-F238E27FC236}">
+                <a16:creationId xmlns:a16="http://schemas.microsoft.com/office/drawing/2014/main" id="{CD85883B-7C00-4C82-91FC-87C791358B7C}"/>
+              </a:ext>
+            </a:extLst>
+          </p:cNvPr>
+          <p:cNvPicPr>
+            <a:picLocks noChangeAspect="1"/>
+          </p:cNvPicPr>
           <p:nvPr/>
-        </p:nvSpPr>
-        <p:spPr>
-          <a:xfrm>
-            <a:off x="2432314" y="2184400"/>
-            <a:ext cx="5159111" cy="1244600"/>
+        </p:nvPicPr>
+        <p:blipFill>
+          <a:blip r:embed="rId3"/>
+          <a:stretch>
+            <a:fillRect/>
+          </a:stretch>
+        </p:blipFill>
+        <p:spPr>
+          <a:xfrm>
+            <a:off x="7242129" y="2855652"/>
+            <a:ext cx="2714671" cy="1352470"/>
           </a:xfrm>
           <a:prstGeom prst="rect">
             <a:avLst/>
           </a:prstGeom>
-          <a:noFill/>
-          <a:ln w="76200">
-            <a:solidFill>
-              <a:srgbClr val="C00000"/>
-            </a:solidFill>
-          </a:ln>
-        </p:spPr>
-        <p:style>
-          <a:lnRef idx="2">
-            <a:schemeClr val="accent1">
-              <a:shade val="50000"/>
-            </a:schemeClr>
-          </a:lnRef>
-          <a:fillRef idx="1">
-            <a:schemeClr val="accent1"/>
-          </a:fillRef>
-          <a:effectRef idx="0">
-            <a:schemeClr val="accent1"/>
-          </a:effectRef>
-          <a:fontRef idx="minor">
-            <a:schemeClr val="lt1"/>
-          </a:fontRef>
-        </p:style>
-        <p:txBody>
-          <a:bodyPr rtlCol="0" anchor="ctr"/>
-          <a:lstStyle/>
-          <a:p>
-            <a:pPr algn="ctr"/>
-            <a:endParaRPr lang="ko-KR" altLang="en-US"/>
-          </a:p>
-        </p:txBody>
-      </p:sp>
+        </p:spPr>
+      </p:pic>
     </p:spTree>
     <p:extLst>
       <p:ext uri="{BB962C8B-B14F-4D97-AF65-F5344CB8AC3E}">
-        <p14:creationId xmlns:p14="http://schemas.microsoft.com/office/powerpoint/2010/main" val="2849850989"/>
+        <p14:creationId xmlns:p14="http://schemas.microsoft.com/office/powerpoint/2010/main" val="493890097"/>
       </p:ext>
     </p:extLst>
   </p:cSld>
@@ -3976,7 +3962,7 @@
           <p:cNvPr id="2" name="그림 1">
             <a:extLst>
               <a:ext uri="{FF2B5EF4-FFF2-40B4-BE49-F238E27FC236}">
-                <a16:creationId xmlns:a16="http://schemas.microsoft.com/office/drawing/2014/main" id="{3EC6C735-406E-4899-9CEC-5D67FB0F371B}"/>
+                <a16:creationId xmlns:a16="http://schemas.microsoft.com/office/drawing/2014/main" id="{323A8249-1AAF-4967-A589-4E0527B531DC}"/>
               </a:ext>
             </a:extLst>
           </p:cNvPr>
@@ -3993,18 +3979,70 @@
         </p:blipFill>
         <p:spPr>
           <a:xfrm>
-            <a:off x="2876444" y="1419263"/>
-            <a:ext cx="5905606" cy="4019474"/>
+            <a:off x="2113175" y="994965"/>
+            <a:ext cx="6207865" cy="4704397"/>
           </a:xfrm>
           <a:prstGeom prst="rect">
             <a:avLst/>
           </a:prstGeom>
         </p:spPr>
       </p:pic>
+      <p:sp>
+        <p:nvSpPr>
+          <p:cNvPr id="3" name="직사각형 2">
+            <a:extLst>
+              <a:ext uri="{FF2B5EF4-FFF2-40B4-BE49-F238E27FC236}">
+                <a16:creationId xmlns:a16="http://schemas.microsoft.com/office/drawing/2014/main" id="{925B5CDE-128A-4FFF-B3DB-90F005C0EC3E}"/>
+              </a:ext>
+            </a:extLst>
+          </p:cNvPr>
+          <p:cNvSpPr/>
+          <p:nvPr/>
+        </p:nvSpPr>
+        <p:spPr>
+          <a:xfrm>
+            <a:off x="2432314" y="2184400"/>
+            <a:ext cx="5159111" cy="1244600"/>
+          </a:xfrm>
+          <a:prstGeom prst="rect">
+            <a:avLst/>
+          </a:prstGeom>
+          <a:noFill/>
+          <a:ln w="76200">
+            <a:solidFill>
+              <a:srgbClr val="C00000"/>
+            </a:solidFill>
+          </a:ln>
+        </p:spPr>
+        <p:style>
+          <a:lnRef idx="2">
+            <a:schemeClr val="accent1">
+              <a:shade val="50000"/>
+            </a:schemeClr>
+          </a:lnRef>
+          <a:fillRef idx="1">
+            <a:schemeClr val="accent1"/>
+          </a:fillRef>
+          <a:effectRef idx="0">
+            <a:schemeClr val="accent1"/>
+          </a:effectRef>
+          <a:fontRef idx="minor">
+            <a:schemeClr val="lt1"/>
+          </a:fontRef>
+        </p:style>
+        <p:txBody>
+          <a:bodyPr rtlCol="0" anchor="ctr"/>
+          <a:lstStyle/>
+          <a:p>
+            <a:pPr algn="ctr"/>
+            <a:endParaRPr lang="ko-KR" altLang="en-US"/>
+          </a:p>
+        </p:txBody>
+      </p:sp>
     </p:spTree>
     <p:extLst>
       <p:ext uri="{BB962C8B-B14F-4D97-AF65-F5344CB8AC3E}">
-        <p14:creationId xmlns:p14="http://schemas.microsoft.com/office/powerpoint/2010/main" val="3811296425"/>
+        <p14:creationId xmlns:p14="http://schemas.microsoft.com/office/powerpoint/2010/main" val="2849850989"/>
       </p:ext>
     </p:extLst>
   </p:cSld>
@@ -4036,7 +4074,7 @@
           <p:cNvPr id="2" name="그림 1">
             <a:extLst>
               <a:ext uri="{FF2B5EF4-FFF2-40B4-BE49-F238E27FC236}">
-                <a16:creationId xmlns:a16="http://schemas.microsoft.com/office/drawing/2014/main" id="{636294B6-D157-424C-866D-300938826796}"/>
+                <a16:creationId xmlns:a16="http://schemas.microsoft.com/office/drawing/2014/main" id="{3EC6C735-406E-4899-9CEC-5D67FB0F371B}"/>
               </a:ext>
             </a:extLst>
           </p:cNvPr>
@@ -4046,65 +4084,25 @@
           <p:nvPr/>
         </p:nvPicPr>
         <p:blipFill>
-          <a:blip r:embed="rId3"/>
+          <a:blip r:embed="rId2"/>
           <a:stretch>
             <a:fillRect/>
           </a:stretch>
         </p:blipFill>
         <p:spPr>
           <a:xfrm>
-            <a:off x="1276633" y="2042521"/>
-            <a:ext cx="9638734" cy="2959134"/>
+            <a:off x="2876444" y="1419263"/>
+            <a:ext cx="5905606" cy="4019474"/>
           </a:xfrm>
           <a:prstGeom prst="rect">
             <a:avLst/>
           </a:prstGeom>
         </p:spPr>
       </p:pic>
-      <p:sp>
-        <p:nvSpPr>
-          <p:cNvPr id="3" name="TextBox 2">
-            <a:extLst>
-              <a:ext uri="{FF2B5EF4-FFF2-40B4-BE49-F238E27FC236}">
-                <a16:creationId xmlns:a16="http://schemas.microsoft.com/office/drawing/2014/main" id="{173A11FC-16F5-43B1-ADC3-A8EE224D8D3F}"/>
-              </a:ext>
-            </a:extLst>
-          </p:cNvPr>
-          <p:cNvSpPr txBox="1"/>
-          <p:nvPr/>
-        </p:nvSpPr>
-        <p:spPr>
-          <a:xfrm>
-            <a:off x="1276633" y="1211524"/>
-            <a:ext cx="5004488" cy="830997"/>
-          </a:xfrm>
-          <a:prstGeom prst="rect">
-            <a:avLst/>
-          </a:prstGeom>
-          <a:noFill/>
-        </p:spPr>
-        <p:txBody>
-          <a:bodyPr wrap="square" rtlCol="0">
-            <a:spAutoFit/>
-          </a:bodyPr>
-          <a:lstStyle/>
-          <a:p>
-            <a:r>
-              <a:rPr lang="ko-KR" altLang="en-US" sz="4800" dirty="0"/>
-              <a:t>접근 </a:t>
-            </a:r>
-            <a:r>
-              <a:rPr lang="ko-KR" altLang="en-US" sz="4800" dirty="0" err="1"/>
-              <a:t>제한자</a:t>
-            </a:r>
-            <a:endParaRPr lang="ko-KR" altLang="en-US" sz="4800" dirty="0"/>
-          </a:p>
-        </p:txBody>
-      </p:sp>
     </p:spTree>
     <p:extLst>
       <p:ext uri="{BB962C8B-B14F-4D97-AF65-F5344CB8AC3E}">
-        <p14:creationId xmlns:p14="http://schemas.microsoft.com/office/powerpoint/2010/main" val="3361486565"/>
+        <p14:creationId xmlns:p14="http://schemas.microsoft.com/office/powerpoint/2010/main" val="3811296425"/>
       </p:ext>
     </p:extLst>
   </p:cSld>
@@ -4136,37 +4134,7 @@
           <p:cNvPr id="2" name="그림 1">
             <a:extLst>
               <a:ext uri="{FF2B5EF4-FFF2-40B4-BE49-F238E27FC236}">
-                <a16:creationId xmlns:a16="http://schemas.microsoft.com/office/drawing/2014/main" id="{0CFEA6AF-BB94-429B-8616-A44751F984FD}"/>
-              </a:ext>
-            </a:extLst>
-          </p:cNvPr>
-          <p:cNvPicPr>
-            <a:picLocks noChangeAspect="1"/>
-          </p:cNvPicPr>
-          <p:nvPr/>
-        </p:nvPicPr>
-        <p:blipFill>
-          <a:blip r:embed="rId2"/>
-          <a:stretch>
-            <a:fillRect/>
-          </a:stretch>
-        </p:blipFill>
-        <p:spPr>
-          <a:xfrm>
-            <a:off x="590550" y="2054980"/>
-            <a:ext cx="5262496" cy="2748039"/>
-          </a:xfrm>
-          <a:prstGeom prst="rect">
-            <a:avLst/>
-          </a:prstGeom>
-        </p:spPr>
-      </p:pic>
-      <p:pic>
-        <p:nvPicPr>
-          <p:cNvPr id="3" name="그림 2">
-            <a:extLst>
-              <a:ext uri="{FF2B5EF4-FFF2-40B4-BE49-F238E27FC236}">
-                <a16:creationId xmlns:a16="http://schemas.microsoft.com/office/drawing/2014/main" id="{5C550FF2-8F8C-490B-807F-C9A54185EA5A}"/>
+                <a16:creationId xmlns:a16="http://schemas.microsoft.com/office/drawing/2014/main" id="{636294B6-D157-424C-866D-300938826796}"/>
               </a:ext>
             </a:extLst>
           </p:cNvPr>
@@ -4183,18 +4151,58 @@
         </p:blipFill>
         <p:spPr>
           <a:xfrm>
-            <a:off x="6096000" y="1587199"/>
-            <a:ext cx="5505450" cy="3362325"/>
+            <a:off x="1276633" y="2042521"/>
+            <a:ext cx="9638734" cy="2959134"/>
           </a:xfrm>
           <a:prstGeom prst="rect">
             <a:avLst/>
           </a:prstGeom>
         </p:spPr>
       </p:pic>
+      <p:sp>
+        <p:nvSpPr>
+          <p:cNvPr id="3" name="TextBox 2">
+            <a:extLst>
+              <a:ext uri="{FF2B5EF4-FFF2-40B4-BE49-F238E27FC236}">
+                <a16:creationId xmlns:a16="http://schemas.microsoft.com/office/drawing/2014/main" id="{173A11FC-16F5-43B1-ADC3-A8EE224D8D3F}"/>
+              </a:ext>
+            </a:extLst>
+          </p:cNvPr>
+          <p:cNvSpPr txBox="1"/>
+          <p:nvPr/>
+        </p:nvSpPr>
+        <p:spPr>
+          <a:xfrm>
+            <a:off x="1276633" y="1211524"/>
+            <a:ext cx="5004488" cy="830997"/>
+          </a:xfrm>
+          <a:prstGeom prst="rect">
+            <a:avLst/>
+          </a:prstGeom>
+          <a:noFill/>
+        </p:spPr>
+        <p:txBody>
+          <a:bodyPr wrap="square" rtlCol="0">
+            <a:spAutoFit/>
+          </a:bodyPr>
+          <a:lstStyle/>
+          <a:p>
+            <a:r>
+              <a:rPr lang="ko-KR" altLang="en-US" sz="4800" dirty="0"/>
+              <a:t>접근 </a:t>
+            </a:r>
+            <a:r>
+              <a:rPr lang="ko-KR" altLang="en-US" sz="4800" dirty="0" err="1"/>
+              <a:t>제한자</a:t>
+            </a:r>
+            <a:endParaRPr lang="ko-KR" altLang="en-US" sz="4800" dirty="0"/>
+          </a:p>
+        </p:txBody>
+      </p:sp>
     </p:spTree>
     <p:extLst>
       <p:ext uri="{BB962C8B-B14F-4D97-AF65-F5344CB8AC3E}">
-        <p14:creationId xmlns:p14="http://schemas.microsoft.com/office/powerpoint/2010/main" val="90825416"/>
+        <p14:creationId xmlns:p14="http://schemas.microsoft.com/office/powerpoint/2010/main" val="3361486565"/>
       </p:ext>
     </p:extLst>
   </p:cSld>
@@ -4226,7 +4234,7 @@
           <p:cNvPr id="2" name="그림 1">
             <a:extLst>
               <a:ext uri="{FF2B5EF4-FFF2-40B4-BE49-F238E27FC236}">
-                <a16:creationId xmlns:a16="http://schemas.microsoft.com/office/drawing/2014/main" id="{D1FD9ECD-5E41-411F-A7A8-51DAA71269A2}"/>
+                <a16:creationId xmlns:a16="http://schemas.microsoft.com/office/drawing/2014/main" id="{0CFEA6AF-BB94-429B-8616-A44751F984FD}"/>
               </a:ext>
             </a:extLst>
           </p:cNvPr>
@@ -4243,8 +4251,8 @@
         </p:blipFill>
         <p:spPr>
           <a:xfrm>
-            <a:off x="467759" y="1477998"/>
-            <a:ext cx="4623225" cy="3902003"/>
+            <a:off x="590550" y="2054980"/>
+            <a:ext cx="5262496" cy="2748039"/>
           </a:xfrm>
           <a:prstGeom prst="rect">
             <a:avLst/>
@@ -4256,7 +4264,7 @@
           <p:cNvPr id="3" name="그림 2">
             <a:extLst>
               <a:ext uri="{FF2B5EF4-FFF2-40B4-BE49-F238E27FC236}">
-                <a16:creationId xmlns:a16="http://schemas.microsoft.com/office/drawing/2014/main" id="{2E98F2B4-8CBF-4893-8C72-A90F4E160410}"/>
+                <a16:creationId xmlns:a16="http://schemas.microsoft.com/office/drawing/2014/main" id="{5C550FF2-8F8C-490B-807F-C9A54185EA5A}"/>
               </a:ext>
             </a:extLst>
           </p:cNvPr>
@@ -4273,38 +4281,8 @@
         </p:blipFill>
         <p:spPr>
           <a:xfrm>
-            <a:off x="6300779" y="1477998"/>
-            <a:ext cx="4222967" cy="1397072"/>
-          </a:xfrm>
-          <a:prstGeom prst="rect">
-            <a:avLst/>
-          </a:prstGeom>
-        </p:spPr>
-      </p:pic>
-      <p:pic>
-        <p:nvPicPr>
-          <p:cNvPr id="4" name="그림 3">
-            <a:extLst>
-              <a:ext uri="{FF2B5EF4-FFF2-40B4-BE49-F238E27FC236}">
-                <a16:creationId xmlns:a16="http://schemas.microsoft.com/office/drawing/2014/main" id="{EB033789-F4BF-4930-B641-898CABA23EE7}"/>
-              </a:ext>
-            </a:extLst>
-          </p:cNvPr>
-          <p:cNvPicPr>
-            <a:picLocks noChangeAspect="1"/>
-          </p:cNvPicPr>
-          <p:nvPr/>
-        </p:nvPicPr>
-        <p:blipFill>
-          <a:blip r:embed="rId4"/>
-          <a:stretch>
-            <a:fillRect/>
-          </a:stretch>
-        </p:blipFill>
-        <p:spPr>
-          <a:xfrm>
-            <a:off x="6300779" y="3428999"/>
-            <a:ext cx="3547556" cy="2040129"/>
+            <a:off x="6096000" y="1587199"/>
+            <a:ext cx="5505450" cy="3362325"/>
           </a:xfrm>
           <a:prstGeom prst="rect">
             <a:avLst/>
@@ -4314,7 +4292,7 @@
     </p:spTree>
     <p:extLst>
       <p:ext uri="{BB962C8B-B14F-4D97-AF65-F5344CB8AC3E}">
-        <p14:creationId xmlns:p14="http://schemas.microsoft.com/office/powerpoint/2010/main" val="159536678"/>
+        <p14:creationId xmlns:p14="http://schemas.microsoft.com/office/powerpoint/2010/main" val="90825416"/>
       </p:ext>
     </p:extLst>
   </p:cSld>
@@ -4341,50 +4319,100 @@
           <a:chExt cx="0" cy="0"/>
         </a:xfrm>
       </p:grpSpPr>
-      <p:sp>
-        <p:nvSpPr>
-          <p:cNvPr id="2" name="TextBox 1">
-            <a:extLst>
-              <a:ext uri="{FF2B5EF4-FFF2-40B4-BE49-F238E27FC236}">
-                <a16:creationId xmlns:a16="http://schemas.microsoft.com/office/drawing/2014/main" id="{8D821955-EBD4-4998-A481-52DFD39A94D8}"/>
-              </a:ext>
-            </a:extLst>
-          </p:cNvPr>
-          <p:cNvSpPr txBox="1"/>
+      <p:pic>
+        <p:nvPicPr>
+          <p:cNvPr id="2" name="그림 1">
+            <a:extLst>
+              <a:ext uri="{FF2B5EF4-FFF2-40B4-BE49-F238E27FC236}">
+                <a16:creationId xmlns:a16="http://schemas.microsoft.com/office/drawing/2014/main" id="{D1FD9ECD-5E41-411F-A7A8-51DAA71269A2}"/>
+              </a:ext>
+            </a:extLst>
+          </p:cNvPr>
+          <p:cNvPicPr>
+            <a:picLocks noChangeAspect="1"/>
+          </p:cNvPicPr>
           <p:nvPr/>
-        </p:nvSpPr>
-        <p:spPr>
-          <a:xfrm>
-            <a:off x="1192192" y="972272"/>
-            <a:ext cx="3889093" cy="707886"/>
+        </p:nvPicPr>
+        <p:blipFill>
+          <a:blip r:embed="rId2"/>
+          <a:stretch>
+            <a:fillRect/>
+          </a:stretch>
+        </p:blipFill>
+        <p:spPr>
+          <a:xfrm>
+            <a:off x="467759" y="1477998"/>
+            <a:ext cx="4623225" cy="3902003"/>
           </a:xfrm>
           <a:prstGeom prst="rect">
             <a:avLst/>
           </a:prstGeom>
-          <a:noFill/>
-        </p:spPr>
-        <p:txBody>
-          <a:bodyPr wrap="square" rtlCol="0">
-            <a:spAutoFit/>
-          </a:bodyPr>
-          <a:lstStyle/>
-          <a:p>
-            <a:r>
-              <a:rPr lang="ko-KR" altLang="en-US" sz="4000" dirty="0"/>
-              <a:t>상속 </a:t>
-            </a:r>
-            <a:r>
-              <a:rPr lang="en-US" altLang="ko-KR" sz="2800" b="1" dirty="0"/>
-              <a:t>Inheritance</a:t>
-            </a:r>
-            <a:endParaRPr lang="ko-KR" altLang="en-US" sz="2800" dirty="0"/>
-          </a:p>
-        </p:txBody>
-      </p:sp>
+        </p:spPr>
+      </p:pic>
+      <p:pic>
+        <p:nvPicPr>
+          <p:cNvPr id="3" name="그림 2">
+            <a:extLst>
+              <a:ext uri="{FF2B5EF4-FFF2-40B4-BE49-F238E27FC236}">
+                <a16:creationId xmlns:a16="http://schemas.microsoft.com/office/drawing/2014/main" id="{2E98F2B4-8CBF-4893-8C72-A90F4E160410}"/>
+              </a:ext>
+            </a:extLst>
+          </p:cNvPr>
+          <p:cNvPicPr>
+            <a:picLocks noChangeAspect="1"/>
+          </p:cNvPicPr>
+          <p:nvPr/>
+        </p:nvPicPr>
+        <p:blipFill>
+          <a:blip r:embed="rId3"/>
+          <a:stretch>
+            <a:fillRect/>
+          </a:stretch>
+        </p:blipFill>
+        <p:spPr>
+          <a:xfrm>
+            <a:off x="6300779" y="1477998"/>
+            <a:ext cx="4222967" cy="1397072"/>
+          </a:xfrm>
+          <a:prstGeom prst="rect">
+            <a:avLst/>
+          </a:prstGeom>
+        </p:spPr>
+      </p:pic>
+      <p:pic>
+        <p:nvPicPr>
+          <p:cNvPr id="4" name="그림 3">
+            <a:extLst>
+              <a:ext uri="{FF2B5EF4-FFF2-40B4-BE49-F238E27FC236}">
+                <a16:creationId xmlns:a16="http://schemas.microsoft.com/office/drawing/2014/main" id="{EB033789-F4BF-4930-B641-898CABA23EE7}"/>
+              </a:ext>
+            </a:extLst>
+          </p:cNvPr>
+          <p:cNvPicPr>
+            <a:picLocks noChangeAspect="1"/>
+          </p:cNvPicPr>
+          <p:nvPr/>
+        </p:nvPicPr>
+        <p:blipFill>
+          <a:blip r:embed="rId4"/>
+          <a:stretch>
+            <a:fillRect/>
+          </a:stretch>
+        </p:blipFill>
+        <p:spPr>
+          <a:xfrm>
+            <a:off x="6300779" y="3428999"/>
+            <a:ext cx="3547556" cy="2040129"/>
+          </a:xfrm>
+          <a:prstGeom prst="rect">
+            <a:avLst/>
+          </a:prstGeom>
+        </p:spPr>
+      </p:pic>
     </p:spTree>
     <p:extLst>
       <p:ext uri="{BB962C8B-B14F-4D97-AF65-F5344CB8AC3E}">
-        <p14:creationId xmlns:p14="http://schemas.microsoft.com/office/powerpoint/2010/main" val="1214469163"/>
+        <p14:creationId xmlns:p14="http://schemas.microsoft.com/office/powerpoint/2010/main" val="159536678"/>
       </p:ext>
     </p:extLst>
   </p:cSld>
@@ -4411,122 +4439,149 @@
           <a:chExt cx="0" cy="0"/>
         </a:xfrm>
       </p:grpSpPr>
-      <p:pic>
-        <p:nvPicPr>
-          <p:cNvPr id="2" name="그림 1">
-            <a:extLst>
-              <a:ext uri="{FF2B5EF4-FFF2-40B4-BE49-F238E27FC236}">
-                <a16:creationId xmlns:a16="http://schemas.microsoft.com/office/drawing/2014/main" id="{CE892526-CDD9-401F-9008-02777E29CC12}"/>
-              </a:ext>
-            </a:extLst>
-          </p:cNvPr>
-          <p:cNvPicPr>
-            <a:picLocks noChangeAspect="1"/>
-          </p:cNvPicPr>
+      <p:sp>
+        <p:nvSpPr>
+          <p:cNvPr id="2" name="TextBox 1">
+            <a:extLst>
+              <a:ext uri="{FF2B5EF4-FFF2-40B4-BE49-F238E27FC236}">
+                <a16:creationId xmlns:a16="http://schemas.microsoft.com/office/drawing/2014/main" id="{8D821955-EBD4-4998-A481-52DFD39A94D8}"/>
+              </a:ext>
+            </a:extLst>
+          </p:cNvPr>
+          <p:cNvSpPr txBox="1"/>
           <p:nvPr/>
-        </p:nvPicPr>
-        <p:blipFill>
-          <a:blip r:embed="rId2"/>
-          <a:stretch>
-            <a:fillRect/>
-          </a:stretch>
-        </p:blipFill>
-        <p:spPr>
-          <a:xfrm>
-            <a:off x="937743" y="1642849"/>
-            <a:ext cx="1866996" cy="1257365"/>
+        </p:nvSpPr>
+        <p:spPr>
+          <a:xfrm>
+            <a:off x="1157467" y="983846"/>
+            <a:ext cx="9861632" cy="3477875"/>
           </a:xfrm>
           <a:prstGeom prst="rect">
             <a:avLst/>
           </a:prstGeom>
-        </p:spPr>
-      </p:pic>
-      <p:pic>
-        <p:nvPicPr>
-          <p:cNvPr id="3" name="그림 2">
-            <a:extLst>
-              <a:ext uri="{FF2B5EF4-FFF2-40B4-BE49-F238E27FC236}">
-                <a16:creationId xmlns:a16="http://schemas.microsoft.com/office/drawing/2014/main" id="{21CF6D37-5B31-4C5F-998E-B159D5B0EAD1}"/>
-              </a:ext>
-            </a:extLst>
-          </p:cNvPr>
-          <p:cNvPicPr>
-            <a:picLocks noChangeAspect="1"/>
-          </p:cNvPicPr>
-          <p:nvPr/>
-        </p:nvPicPr>
-        <p:blipFill>
-          <a:blip r:embed="rId3"/>
-          <a:stretch>
-            <a:fillRect/>
-          </a:stretch>
-        </p:blipFill>
-        <p:spPr>
-          <a:xfrm>
-            <a:off x="3725503" y="1459634"/>
-            <a:ext cx="7930987" cy="3529055"/>
-          </a:xfrm>
-          <a:prstGeom prst="rect">
-            <a:avLst/>
-          </a:prstGeom>
-        </p:spPr>
-      </p:pic>
-      <p:sp>
-        <p:nvSpPr>
-          <p:cNvPr id="4" name="직사각형 3">
-            <a:extLst>
-              <a:ext uri="{FF2B5EF4-FFF2-40B4-BE49-F238E27FC236}">
-                <a16:creationId xmlns:a16="http://schemas.microsoft.com/office/drawing/2014/main" id="{6629E1FA-6372-4197-9B9A-98CF59A0D0A4}"/>
-              </a:ext>
-            </a:extLst>
-          </p:cNvPr>
-          <p:cNvSpPr/>
-          <p:nvPr/>
-        </p:nvSpPr>
-        <p:spPr>
-          <a:xfrm>
-            <a:off x="6713316" y="1875099"/>
-            <a:ext cx="2176041" cy="532435"/>
-          </a:xfrm>
-          <a:prstGeom prst="rect">
-            <a:avLst/>
-          </a:prstGeom>
           <a:noFill/>
-          <a:ln w="76200">
-            <a:solidFill>
-              <a:srgbClr val="C00000"/>
-            </a:solidFill>
-          </a:ln>
-        </p:spPr>
-        <p:style>
-          <a:lnRef idx="2">
-            <a:schemeClr val="accent1">
-              <a:shade val="50000"/>
-            </a:schemeClr>
-          </a:lnRef>
-          <a:fillRef idx="1">
-            <a:schemeClr val="accent1"/>
-          </a:fillRef>
-          <a:effectRef idx="0">
-            <a:schemeClr val="accent1"/>
-          </a:effectRef>
-          <a:fontRef idx="minor">
-            <a:schemeClr val="lt1"/>
-          </a:fontRef>
-        </p:style>
-        <p:txBody>
-          <a:bodyPr rtlCol="0" anchor="ctr"/>
-          <a:lstStyle/>
-          <a:p>
-            <a:pPr algn="ctr"/>
-            <a:endParaRPr lang="ko-KR" altLang="en-US"/>
+        </p:spPr>
+        <p:txBody>
+          <a:bodyPr wrap="square" rtlCol="0">
+            <a:spAutoFit/>
+          </a:bodyPr>
+          <a:lstStyle/>
+          <a:p>
+            <a:r>
+              <a:rPr lang="ko-KR" altLang="en-US" sz="4000" dirty="0"/>
+              <a:t>상속 </a:t>
+            </a:r>
+            <a:r>
+              <a:rPr lang="en-US" altLang="ko-KR" sz="2800" b="1" dirty="0"/>
+              <a:t>Inheritance</a:t>
+            </a:r>
+          </a:p>
+          <a:p>
+            <a:r>
+              <a:rPr lang="ko-KR" altLang="en-US" dirty="0"/>
+              <a:t>상속</a:t>
+            </a:r>
+            <a:r>
+              <a:rPr lang="en-US" altLang="ko-KR" dirty="0"/>
+              <a:t>(inheritance)</a:t>
+            </a:r>
+            <a:r>
+              <a:rPr lang="ko-KR" altLang="en-US" dirty="0"/>
+              <a:t>이란 기존의 클래스에 기능을 추가하거나 재정의하여 새로운 클래스를 정의</a:t>
+            </a:r>
+            <a:endParaRPr lang="en-US" altLang="ko-KR" dirty="0"/>
+          </a:p>
+          <a:p>
+            <a:r>
+              <a:rPr lang="ko-KR" altLang="en-US" dirty="0"/>
+              <a:t>하는 것을 의미함</a:t>
+            </a:r>
+            <a:endParaRPr lang="en-US" altLang="ko-KR" dirty="0"/>
+          </a:p>
+          <a:p>
+            <a:endParaRPr lang="en-US" altLang="ko-KR" dirty="0"/>
+          </a:p>
+          <a:p>
+            <a:r>
+              <a:rPr lang="ko-KR" altLang="en-US" dirty="0"/>
+              <a:t>상속을 이용하면 기존에 정의되어 있는 클래스의 모든 필드와 메소드를 물려받아</a:t>
+            </a:r>
+            <a:r>
+              <a:rPr lang="en-US" altLang="ko-KR" dirty="0"/>
+              <a:t>, </a:t>
+            </a:r>
+            <a:r>
+              <a:rPr lang="ko-KR" altLang="en-US" dirty="0"/>
+              <a:t>새로운 클래스를 생성할 수 있고 이때 기존에 정의되어 있던 클래스를 부모 클래스</a:t>
+            </a:r>
+            <a:r>
+              <a:rPr lang="en-US" altLang="ko-KR" dirty="0"/>
+              <a:t>(parent class) </a:t>
+            </a:r>
+            <a:r>
+              <a:rPr lang="ko-KR" altLang="en-US" dirty="0"/>
+              <a:t>또는 상위 클래스</a:t>
+            </a:r>
+            <a:r>
+              <a:rPr lang="en-US" altLang="ko-KR" dirty="0"/>
+              <a:t>(super class), </a:t>
+            </a:r>
+            <a:r>
+              <a:rPr lang="ko-KR" altLang="en-US" dirty="0"/>
+              <a:t>기초 클래스</a:t>
+            </a:r>
+            <a:r>
+              <a:rPr lang="en-US" altLang="ko-KR" dirty="0"/>
+              <a:t>(base class)</a:t>
+            </a:r>
+            <a:r>
+              <a:rPr lang="ko-KR" altLang="en-US" dirty="0"/>
+              <a:t>라고도 부름</a:t>
+            </a:r>
+            <a:endParaRPr lang="en-US" altLang="ko-KR" dirty="0"/>
+          </a:p>
+          <a:p>
+            <a:endParaRPr lang="en-US" altLang="ko-KR" dirty="0"/>
+          </a:p>
+          <a:p>
+            <a:r>
+              <a:rPr lang="ko-KR" altLang="en-US" dirty="0"/>
+              <a:t>그리고 상속을 통해 새롭게 작성되는 클래스를 자식 클래스</a:t>
+            </a:r>
+            <a:r>
+              <a:rPr lang="en-US" altLang="ko-KR" dirty="0"/>
+              <a:t>(child class) </a:t>
+            </a:r>
+            <a:r>
+              <a:rPr lang="ko-KR" altLang="en-US" dirty="0"/>
+              <a:t>또는 하위 클래스</a:t>
+            </a:r>
+            <a:r>
+              <a:rPr lang="en-US" altLang="ko-KR" dirty="0"/>
+              <a:t>(sub class), </a:t>
+            </a:r>
+            <a:r>
+              <a:rPr lang="ko-KR" altLang="en-US" dirty="0"/>
+              <a:t>파생 클래스</a:t>
+            </a:r>
+            <a:r>
+              <a:rPr lang="en-US" altLang="ko-KR" dirty="0"/>
+              <a:t>(derived class)</a:t>
+            </a:r>
+            <a:r>
+              <a:rPr lang="ko-KR" altLang="en-US" dirty="0"/>
+              <a:t>라고도 함</a:t>
+            </a:r>
+          </a:p>
+          <a:p>
+            <a:endParaRPr lang="ko-KR" altLang="en-US" dirty="0"/>
           </a:p>
         </p:txBody>
       </p:sp>
     </p:spTree>
     <p:extLst>
       <p:ext uri="{BB962C8B-B14F-4D97-AF65-F5344CB8AC3E}">
-        <p14:creationId xmlns:p14="http://schemas.microsoft.com/office/powerpoint/2010/main" val="3827192622"/>
+        <p14:creationId xmlns:p14="http://schemas.microsoft.com/office/powerpoint/2010/main" val="1214469163"/>
       </p:ext>
     </p:extLst>
   </p:cSld>
@@ -4558,6 +4613,148 @@
           <p:cNvPr id="2" name="그림 1">
             <a:extLst>
               <a:ext uri="{FF2B5EF4-FFF2-40B4-BE49-F238E27FC236}">
+                <a16:creationId xmlns:a16="http://schemas.microsoft.com/office/drawing/2014/main" id="{CE892526-CDD9-401F-9008-02777E29CC12}"/>
+              </a:ext>
+            </a:extLst>
+          </p:cNvPr>
+          <p:cNvPicPr>
+            <a:picLocks noChangeAspect="1"/>
+          </p:cNvPicPr>
+          <p:nvPr/>
+        </p:nvPicPr>
+        <p:blipFill>
+          <a:blip r:embed="rId2"/>
+          <a:stretch>
+            <a:fillRect/>
+          </a:stretch>
+        </p:blipFill>
+        <p:spPr>
+          <a:xfrm>
+            <a:off x="937743" y="1642849"/>
+            <a:ext cx="1866996" cy="1257365"/>
+          </a:xfrm>
+          <a:prstGeom prst="rect">
+            <a:avLst/>
+          </a:prstGeom>
+        </p:spPr>
+      </p:pic>
+      <p:pic>
+        <p:nvPicPr>
+          <p:cNvPr id="3" name="그림 2">
+            <a:extLst>
+              <a:ext uri="{FF2B5EF4-FFF2-40B4-BE49-F238E27FC236}">
+                <a16:creationId xmlns:a16="http://schemas.microsoft.com/office/drawing/2014/main" id="{21CF6D37-5B31-4C5F-998E-B159D5B0EAD1}"/>
+              </a:ext>
+            </a:extLst>
+          </p:cNvPr>
+          <p:cNvPicPr>
+            <a:picLocks noChangeAspect="1"/>
+          </p:cNvPicPr>
+          <p:nvPr/>
+        </p:nvPicPr>
+        <p:blipFill>
+          <a:blip r:embed="rId3"/>
+          <a:stretch>
+            <a:fillRect/>
+          </a:stretch>
+        </p:blipFill>
+        <p:spPr>
+          <a:xfrm>
+            <a:off x="3725503" y="1459634"/>
+            <a:ext cx="7930987" cy="3529055"/>
+          </a:xfrm>
+          <a:prstGeom prst="rect">
+            <a:avLst/>
+          </a:prstGeom>
+        </p:spPr>
+      </p:pic>
+      <p:sp>
+        <p:nvSpPr>
+          <p:cNvPr id="4" name="직사각형 3">
+            <a:extLst>
+              <a:ext uri="{FF2B5EF4-FFF2-40B4-BE49-F238E27FC236}">
+                <a16:creationId xmlns:a16="http://schemas.microsoft.com/office/drawing/2014/main" id="{6629E1FA-6372-4197-9B9A-98CF59A0D0A4}"/>
+              </a:ext>
+            </a:extLst>
+          </p:cNvPr>
+          <p:cNvSpPr/>
+          <p:nvPr/>
+        </p:nvSpPr>
+        <p:spPr>
+          <a:xfrm>
+            <a:off x="6713316" y="1875099"/>
+            <a:ext cx="2176041" cy="532435"/>
+          </a:xfrm>
+          <a:prstGeom prst="rect">
+            <a:avLst/>
+          </a:prstGeom>
+          <a:noFill/>
+          <a:ln w="76200">
+            <a:solidFill>
+              <a:srgbClr val="C00000"/>
+            </a:solidFill>
+          </a:ln>
+        </p:spPr>
+        <p:style>
+          <a:lnRef idx="2">
+            <a:schemeClr val="accent1">
+              <a:shade val="50000"/>
+            </a:schemeClr>
+          </a:lnRef>
+          <a:fillRef idx="1">
+            <a:schemeClr val="accent1"/>
+          </a:fillRef>
+          <a:effectRef idx="0">
+            <a:schemeClr val="accent1"/>
+          </a:effectRef>
+          <a:fontRef idx="minor">
+            <a:schemeClr val="lt1"/>
+          </a:fontRef>
+        </p:style>
+        <p:txBody>
+          <a:bodyPr rtlCol="0" anchor="ctr"/>
+          <a:lstStyle/>
+          <a:p>
+            <a:pPr algn="ctr"/>
+            <a:endParaRPr lang="ko-KR" altLang="en-US"/>
+          </a:p>
+        </p:txBody>
+      </p:sp>
+    </p:spTree>
+    <p:extLst>
+      <p:ext uri="{BB962C8B-B14F-4D97-AF65-F5344CB8AC3E}">
+        <p14:creationId xmlns:p14="http://schemas.microsoft.com/office/powerpoint/2010/main" val="3827192622"/>
+      </p:ext>
+    </p:extLst>
+  </p:cSld>
+  <p:clrMapOvr>
+    <a:masterClrMapping/>
+  </p:clrMapOvr>
+</p:sld>
+</file>
+
+<file path=ppt/slides/slide18.xml><?xml version="1.0" encoding="utf-8"?>
+<p:sld xmlns:a="http://schemas.openxmlformats.org/drawingml/2006/main" xmlns:r="http://schemas.openxmlformats.org/officeDocument/2006/relationships" xmlns:p="http://schemas.openxmlformats.org/presentationml/2006/main">
+  <p:cSld>
+    <p:spTree>
+      <p:nvGrpSpPr>
+        <p:cNvPr id="1" name=""/>
+        <p:cNvGrpSpPr/>
+        <p:nvPr/>
+      </p:nvGrpSpPr>
+      <p:grpSpPr>
+        <a:xfrm>
+          <a:off x="0" y="0"/>
+          <a:ext cx="0" cy="0"/>
+          <a:chOff x="0" y="0"/>
+          <a:chExt cx="0" cy="0"/>
+        </a:xfrm>
+      </p:grpSpPr>
+      <p:pic>
+        <p:nvPicPr>
+          <p:cNvPr id="2" name="그림 1">
+            <a:extLst>
+              <a:ext uri="{FF2B5EF4-FFF2-40B4-BE49-F238E27FC236}">
                 <a16:creationId xmlns:a16="http://schemas.microsoft.com/office/drawing/2014/main" id="{D06E3248-2CE3-4145-BBDE-2BBC772E2956}"/>
               </a:ext>
             </a:extLst>
@@ -4740,600 +4937,6 @@
 </p:sld>
 </file>
 
-<file path=ppt/slides/slide18.xml><?xml version="1.0" encoding="utf-8"?>
-<p:sld xmlns:a="http://schemas.openxmlformats.org/drawingml/2006/main" xmlns:r="http://schemas.openxmlformats.org/officeDocument/2006/relationships" xmlns:p="http://schemas.openxmlformats.org/presentationml/2006/main">
-  <p:cSld>
-    <p:spTree>
-      <p:nvGrpSpPr>
-        <p:cNvPr id="1" name=""/>
-        <p:cNvGrpSpPr/>
-        <p:nvPr/>
-      </p:nvGrpSpPr>
-      <p:grpSpPr>
-        <a:xfrm>
-          <a:off x="0" y="0"/>
-          <a:ext cx="0" cy="0"/>
-          <a:chOff x="0" y="0"/>
-          <a:chExt cx="0" cy="0"/>
-        </a:xfrm>
-      </p:grpSpPr>
-      <p:sp>
-        <p:nvSpPr>
-          <p:cNvPr id="3" name="직사각형 2">
-            <a:extLst>
-              <a:ext uri="{FF2B5EF4-FFF2-40B4-BE49-F238E27FC236}">
-                <a16:creationId xmlns:a16="http://schemas.microsoft.com/office/drawing/2014/main" id="{CB0932BF-739C-4A6B-B2F6-476EF7B997D2}"/>
-              </a:ext>
-            </a:extLst>
-          </p:cNvPr>
-          <p:cNvSpPr/>
-          <p:nvPr/>
-        </p:nvSpPr>
-        <p:spPr>
-          <a:xfrm>
-            <a:off x="5277203" y="946929"/>
-            <a:ext cx="1637593" cy="1101791"/>
-          </a:xfrm>
-          <a:prstGeom prst="rect">
-            <a:avLst/>
-          </a:prstGeom>
-          <a:noFill/>
-          <a:ln w="76200"/>
-        </p:spPr>
-        <p:style>
-          <a:lnRef idx="2">
-            <a:schemeClr val="accent1">
-              <a:shade val="50000"/>
-            </a:schemeClr>
-          </a:lnRef>
-          <a:fillRef idx="1">
-            <a:schemeClr val="accent1"/>
-          </a:fillRef>
-          <a:effectRef idx="0">
-            <a:schemeClr val="accent1"/>
-          </a:effectRef>
-          <a:fontRef idx="minor">
-            <a:schemeClr val="lt1"/>
-          </a:fontRef>
-        </p:style>
-        <p:txBody>
-          <a:bodyPr rtlCol="0" anchor="ctr"/>
-          <a:lstStyle/>
-          <a:p>
-            <a:pPr algn="ctr"/>
-            <a:endParaRPr lang="ko-KR" altLang="en-US"/>
-          </a:p>
-        </p:txBody>
-      </p:sp>
-      <p:sp>
-        <p:nvSpPr>
-          <p:cNvPr id="4" name="직사각형 3">
-            <a:extLst>
-              <a:ext uri="{FF2B5EF4-FFF2-40B4-BE49-F238E27FC236}">
-                <a16:creationId xmlns:a16="http://schemas.microsoft.com/office/drawing/2014/main" id="{A16365A1-C7CB-4312-980D-EFC6F49AB269}"/>
-              </a:ext>
-            </a:extLst>
-          </p:cNvPr>
-          <p:cNvSpPr/>
-          <p:nvPr/>
-        </p:nvSpPr>
-        <p:spPr>
-          <a:xfrm>
-            <a:off x="1093807" y="3429001"/>
-            <a:ext cx="1637593" cy="1101791"/>
-          </a:xfrm>
-          <a:prstGeom prst="rect">
-            <a:avLst/>
-          </a:prstGeom>
-          <a:noFill/>
-          <a:ln w="76200"/>
-        </p:spPr>
-        <p:style>
-          <a:lnRef idx="2">
-            <a:schemeClr val="accent1">
-              <a:shade val="50000"/>
-            </a:schemeClr>
-          </a:lnRef>
-          <a:fillRef idx="1">
-            <a:schemeClr val="accent1"/>
-          </a:fillRef>
-          <a:effectRef idx="0">
-            <a:schemeClr val="accent1"/>
-          </a:effectRef>
-          <a:fontRef idx="minor">
-            <a:schemeClr val="lt1"/>
-          </a:fontRef>
-        </p:style>
-        <p:txBody>
-          <a:bodyPr rtlCol="0" anchor="ctr"/>
-          <a:lstStyle/>
-          <a:p>
-            <a:pPr algn="ctr"/>
-            <a:endParaRPr lang="ko-KR" altLang="en-US"/>
-          </a:p>
-        </p:txBody>
-      </p:sp>
-      <p:sp>
-        <p:nvSpPr>
-          <p:cNvPr id="5" name="직사각형 4">
-            <a:extLst>
-              <a:ext uri="{FF2B5EF4-FFF2-40B4-BE49-F238E27FC236}">
-                <a16:creationId xmlns:a16="http://schemas.microsoft.com/office/drawing/2014/main" id="{5F032169-31EF-4181-81C5-81C54EA438D9}"/>
-              </a:ext>
-            </a:extLst>
-          </p:cNvPr>
-          <p:cNvSpPr/>
-          <p:nvPr/>
-        </p:nvSpPr>
-        <p:spPr>
-          <a:xfrm>
-            <a:off x="4018569" y="3429001"/>
-            <a:ext cx="1637593" cy="1101791"/>
-          </a:xfrm>
-          <a:prstGeom prst="rect">
-            <a:avLst/>
-          </a:prstGeom>
-          <a:noFill/>
-          <a:ln w="76200"/>
-        </p:spPr>
-        <p:style>
-          <a:lnRef idx="2">
-            <a:schemeClr val="accent1">
-              <a:shade val="50000"/>
-            </a:schemeClr>
-          </a:lnRef>
-          <a:fillRef idx="1">
-            <a:schemeClr val="accent1"/>
-          </a:fillRef>
-          <a:effectRef idx="0">
-            <a:schemeClr val="accent1"/>
-          </a:effectRef>
-          <a:fontRef idx="minor">
-            <a:schemeClr val="lt1"/>
-          </a:fontRef>
-        </p:style>
-        <p:txBody>
-          <a:bodyPr rtlCol="0" anchor="ctr"/>
-          <a:lstStyle/>
-          <a:p>
-            <a:pPr algn="ctr"/>
-            <a:endParaRPr lang="ko-KR" altLang="en-US"/>
-          </a:p>
-        </p:txBody>
-      </p:sp>
-      <p:sp>
-        <p:nvSpPr>
-          <p:cNvPr id="6" name="직사각형 5">
-            <a:extLst>
-              <a:ext uri="{FF2B5EF4-FFF2-40B4-BE49-F238E27FC236}">
-                <a16:creationId xmlns:a16="http://schemas.microsoft.com/office/drawing/2014/main" id="{2D3A17AB-6B27-4398-A4F4-4CA05C4D7F22}"/>
-              </a:ext>
-            </a:extLst>
-          </p:cNvPr>
-          <p:cNvSpPr/>
-          <p:nvPr/>
-        </p:nvSpPr>
-        <p:spPr>
-          <a:xfrm>
-            <a:off x="6857518" y="3429001"/>
-            <a:ext cx="1637593" cy="1101791"/>
-          </a:xfrm>
-          <a:prstGeom prst="rect">
-            <a:avLst/>
-          </a:prstGeom>
-          <a:noFill/>
-          <a:ln w="76200"/>
-        </p:spPr>
-        <p:style>
-          <a:lnRef idx="2">
-            <a:schemeClr val="accent1">
-              <a:shade val="50000"/>
-            </a:schemeClr>
-          </a:lnRef>
-          <a:fillRef idx="1">
-            <a:schemeClr val="accent1"/>
-          </a:fillRef>
-          <a:effectRef idx="0">
-            <a:schemeClr val="accent1"/>
-          </a:effectRef>
-          <a:fontRef idx="minor">
-            <a:schemeClr val="lt1"/>
-          </a:fontRef>
-        </p:style>
-        <p:txBody>
-          <a:bodyPr rtlCol="0" anchor="ctr"/>
-          <a:lstStyle/>
-          <a:p>
-            <a:pPr algn="ctr"/>
-            <a:endParaRPr lang="ko-KR" altLang="en-US"/>
-          </a:p>
-        </p:txBody>
-      </p:sp>
-      <p:sp>
-        <p:nvSpPr>
-          <p:cNvPr id="7" name="직사각형 6">
-            <a:extLst>
-              <a:ext uri="{FF2B5EF4-FFF2-40B4-BE49-F238E27FC236}">
-                <a16:creationId xmlns:a16="http://schemas.microsoft.com/office/drawing/2014/main" id="{D301C14E-AB4B-4F08-9083-26116C13E2B4}"/>
-              </a:ext>
-            </a:extLst>
-          </p:cNvPr>
-          <p:cNvSpPr/>
-          <p:nvPr/>
-        </p:nvSpPr>
-        <p:spPr>
-          <a:xfrm>
-            <a:off x="9616666" y="3429000"/>
-            <a:ext cx="1637593" cy="1101791"/>
-          </a:xfrm>
-          <a:prstGeom prst="rect">
-            <a:avLst/>
-          </a:prstGeom>
-          <a:noFill/>
-          <a:ln w="76200"/>
-        </p:spPr>
-        <p:style>
-          <a:lnRef idx="2">
-            <a:schemeClr val="accent1">
-              <a:shade val="50000"/>
-            </a:schemeClr>
-          </a:lnRef>
-          <a:fillRef idx="1">
-            <a:schemeClr val="accent1"/>
-          </a:fillRef>
-          <a:effectRef idx="0">
-            <a:schemeClr val="accent1"/>
-          </a:effectRef>
-          <a:fontRef idx="minor">
-            <a:schemeClr val="lt1"/>
-          </a:fontRef>
-        </p:style>
-        <p:txBody>
-          <a:bodyPr rtlCol="0" anchor="ctr"/>
-          <a:lstStyle/>
-          <a:p>
-            <a:pPr algn="ctr"/>
-            <a:endParaRPr lang="ko-KR" altLang="en-US"/>
-          </a:p>
-        </p:txBody>
-      </p:sp>
-      <p:sp>
-        <p:nvSpPr>
-          <p:cNvPr id="8" name="TextBox 7">
-            <a:extLst>
-              <a:ext uri="{FF2B5EF4-FFF2-40B4-BE49-F238E27FC236}">
-                <a16:creationId xmlns:a16="http://schemas.microsoft.com/office/drawing/2014/main" id="{A2549B6B-052D-4CA1-B52B-34A0C52BF8BB}"/>
-              </a:ext>
-            </a:extLst>
-          </p:cNvPr>
-          <p:cNvSpPr txBox="1"/>
-          <p:nvPr/>
-        </p:nvSpPr>
-        <p:spPr>
-          <a:xfrm>
-            <a:off x="5469866" y="1236214"/>
-            <a:ext cx="1252266" cy="523220"/>
-          </a:xfrm>
-          <a:prstGeom prst="rect">
-            <a:avLst/>
-          </a:prstGeom>
-          <a:noFill/>
-        </p:spPr>
-        <p:txBody>
-          <a:bodyPr wrap="none" rtlCol="0">
-            <a:spAutoFit/>
-          </a:bodyPr>
-          <a:lstStyle/>
-          <a:p>
-            <a:r>
-              <a:rPr lang="en-US" altLang="ko-KR" sz="2800" dirty="0"/>
-              <a:t>Object</a:t>
-            </a:r>
-            <a:endParaRPr lang="ko-KR" altLang="en-US" sz="2800" dirty="0"/>
-          </a:p>
-        </p:txBody>
-      </p:sp>
-      <p:sp>
-        <p:nvSpPr>
-          <p:cNvPr id="9" name="TextBox 8">
-            <a:extLst>
-              <a:ext uri="{FF2B5EF4-FFF2-40B4-BE49-F238E27FC236}">
-                <a16:creationId xmlns:a16="http://schemas.microsoft.com/office/drawing/2014/main" id="{8B257814-D889-444E-B8C3-C4B3DAC7BB3C}"/>
-              </a:ext>
-            </a:extLst>
-          </p:cNvPr>
-          <p:cNvSpPr txBox="1"/>
-          <p:nvPr/>
-        </p:nvSpPr>
-        <p:spPr>
-          <a:xfrm>
-            <a:off x="1166114" y="3795229"/>
-            <a:ext cx="1417376" cy="369332"/>
-          </a:xfrm>
-          <a:prstGeom prst="rect">
-            <a:avLst/>
-          </a:prstGeom>
-          <a:noFill/>
-        </p:spPr>
-        <p:txBody>
-          <a:bodyPr wrap="none" rtlCol="0">
-            <a:spAutoFit/>
-          </a:bodyPr>
-          <a:lstStyle/>
-          <a:p>
-            <a:r>
-              <a:rPr lang="en-US" altLang="ko-KR" dirty="0"/>
-              <a:t>Component</a:t>
-            </a:r>
-            <a:endParaRPr lang="ko-KR" altLang="en-US" dirty="0"/>
-          </a:p>
-        </p:txBody>
-      </p:sp>
-      <p:sp>
-        <p:nvSpPr>
-          <p:cNvPr id="10" name="TextBox 9">
-            <a:extLst>
-              <a:ext uri="{FF2B5EF4-FFF2-40B4-BE49-F238E27FC236}">
-                <a16:creationId xmlns:a16="http://schemas.microsoft.com/office/drawing/2014/main" id="{F2FD5069-3AAE-4661-85BB-924A8D138667}"/>
-              </a:ext>
-            </a:extLst>
-          </p:cNvPr>
-          <p:cNvSpPr txBox="1"/>
-          <p:nvPr/>
-        </p:nvSpPr>
-        <p:spPr>
-          <a:xfrm>
-            <a:off x="4590374" y="3828157"/>
-            <a:ext cx="493981" cy="369332"/>
-          </a:xfrm>
-          <a:prstGeom prst="rect">
-            <a:avLst/>
-          </a:prstGeom>
-          <a:noFill/>
-        </p:spPr>
-        <p:txBody>
-          <a:bodyPr wrap="none" rtlCol="0">
-            <a:spAutoFit/>
-          </a:bodyPr>
-          <a:lstStyle/>
-          <a:p>
-            <a:r>
-              <a:rPr lang="en-US" altLang="ko-KR" dirty="0" err="1"/>
-              <a:t>etc</a:t>
-            </a:r>
-            <a:endParaRPr lang="ko-KR" altLang="en-US" dirty="0"/>
-          </a:p>
-        </p:txBody>
-      </p:sp>
-      <p:sp>
-        <p:nvSpPr>
-          <p:cNvPr id="11" name="TextBox 10">
-            <a:extLst>
-              <a:ext uri="{FF2B5EF4-FFF2-40B4-BE49-F238E27FC236}">
-                <a16:creationId xmlns:a16="http://schemas.microsoft.com/office/drawing/2014/main" id="{C14EEAFD-BA38-4EC9-9F09-6F09092DCD7D}"/>
-              </a:ext>
-            </a:extLst>
-          </p:cNvPr>
-          <p:cNvSpPr txBox="1"/>
-          <p:nvPr/>
-        </p:nvSpPr>
-        <p:spPr>
-          <a:xfrm>
-            <a:off x="7429323" y="3805008"/>
-            <a:ext cx="493981" cy="369332"/>
-          </a:xfrm>
-          <a:prstGeom prst="rect">
-            <a:avLst/>
-          </a:prstGeom>
-          <a:noFill/>
-        </p:spPr>
-        <p:txBody>
-          <a:bodyPr wrap="none" rtlCol="0">
-            <a:spAutoFit/>
-          </a:bodyPr>
-          <a:lstStyle/>
-          <a:p>
-            <a:r>
-              <a:rPr lang="en-US" altLang="ko-KR" dirty="0" err="1"/>
-              <a:t>etc</a:t>
-            </a:r>
-            <a:endParaRPr lang="ko-KR" altLang="en-US" dirty="0"/>
-          </a:p>
-        </p:txBody>
-      </p:sp>
-      <p:sp>
-        <p:nvSpPr>
-          <p:cNvPr id="12" name="TextBox 11">
-            <a:extLst>
-              <a:ext uri="{FF2B5EF4-FFF2-40B4-BE49-F238E27FC236}">
-                <a16:creationId xmlns:a16="http://schemas.microsoft.com/office/drawing/2014/main" id="{47FA1520-8CCA-421C-946C-F72651B9AC7B}"/>
-              </a:ext>
-            </a:extLst>
-          </p:cNvPr>
-          <p:cNvSpPr txBox="1"/>
-          <p:nvPr/>
-        </p:nvSpPr>
-        <p:spPr>
-          <a:xfrm>
-            <a:off x="10188471" y="3795229"/>
-            <a:ext cx="458780" cy="369332"/>
-          </a:xfrm>
-          <a:prstGeom prst="rect">
-            <a:avLst/>
-          </a:prstGeom>
-          <a:noFill/>
-        </p:spPr>
-        <p:txBody>
-          <a:bodyPr wrap="none" rtlCol="0">
-            <a:spAutoFit/>
-          </a:bodyPr>
-          <a:lstStyle/>
-          <a:p>
-            <a:r>
-              <a:rPr lang="en-US" altLang="ko-KR" dirty="0"/>
-              <a:t>…..</a:t>
-            </a:r>
-            <a:endParaRPr lang="ko-KR" altLang="en-US" dirty="0"/>
-          </a:p>
-        </p:txBody>
-      </p:sp>
-      <p:sp>
-        <p:nvSpPr>
-          <p:cNvPr id="13" name="직사각형 12">
-            <a:extLst>
-              <a:ext uri="{FF2B5EF4-FFF2-40B4-BE49-F238E27FC236}">
-                <a16:creationId xmlns:a16="http://schemas.microsoft.com/office/drawing/2014/main" id="{01B67753-D196-4006-A9F3-830E4AD4D85B}"/>
-              </a:ext>
-            </a:extLst>
-          </p:cNvPr>
-          <p:cNvSpPr/>
-          <p:nvPr/>
-        </p:nvSpPr>
-        <p:spPr>
-          <a:xfrm>
-            <a:off x="275011" y="5294454"/>
-            <a:ext cx="891104" cy="550761"/>
-          </a:xfrm>
-          <a:prstGeom prst="rect">
-            <a:avLst/>
-          </a:prstGeom>
-          <a:noFill/>
-          <a:ln w="76200"/>
-        </p:spPr>
-        <p:style>
-          <a:lnRef idx="2">
-            <a:schemeClr val="accent1">
-              <a:shade val="50000"/>
-            </a:schemeClr>
-          </a:lnRef>
-          <a:fillRef idx="1">
-            <a:schemeClr val="accent1"/>
-          </a:fillRef>
-          <a:effectRef idx="0">
-            <a:schemeClr val="accent1"/>
-          </a:effectRef>
-          <a:fontRef idx="minor">
-            <a:schemeClr val="lt1"/>
-          </a:fontRef>
-        </p:style>
-        <p:txBody>
-          <a:bodyPr rtlCol="0" anchor="ctr"/>
-          <a:lstStyle/>
-          <a:p>
-            <a:pPr algn="ctr"/>
-            <a:endParaRPr lang="ko-KR" altLang="en-US"/>
-          </a:p>
-        </p:txBody>
-      </p:sp>
-      <p:sp>
-        <p:nvSpPr>
-          <p:cNvPr id="14" name="직사각형 13">
-            <a:extLst>
-              <a:ext uri="{FF2B5EF4-FFF2-40B4-BE49-F238E27FC236}">
-                <a16:creationId xmlns:a16="http://schemas.microsoft.com/office/drawing/2014/main" id="{889327AF-17C6-4802-BD6F-B6369F25D5E0}"/>
-              </a:ext>
-            </a:extLst>
-          </p:cNvPr>
-          <p:cNvSpPr/>
-          <p:nvPr/>
-        </p:nvSpPr>
-        <p:spPr>
-          <a:xfrm>
-            <a:off x="1692386" y="5294453"/>
-            <a:ext cx="891104" cy="550761"/>
-          </a:xfrm>
-          <a:prstGeom prst="rect">
-            <a:avLst/>
-          </a:prstGeom>
-          <a:noFill/>
-          <a:ln w="76200"/>
-        </p:spPr>
-        <p:style>
-          <a:lnRef idx="2">
-            <a:schemeClr val="accent1">
-              <a:shade val="50000"/>
-            </a:schemeClr>
-          </a:lnRef>
-          <a:fillRef idx="1">
-            <a:schemeClr val="accent1"/>
-          </a:fillRef>
-          <a:effectRef idx="0">
-            <a:schemeClr val="accent1"/>
-          </a:effectRef>
-          <a:fontRef idx="minor">
-            <a:schemeClr val="lt1"/>
-          </a:fontRef>
-        </p:style>
-        <p:txBody>
-          <a:bodyPr rtlCol="0" anchor="ctr"/>
-          <a:lstStyle/>
-          <a:p>
-            <a:pPr algn="ctr"/>
-            <a:endParaRPr lang="ko-KR" altLang="en-US"/>
-          </a:p>
-        </p:txBody>
-      </p:sp>
-      <p:sp>
-        <p:nvSpPr>
-          <p:cNvPr id="15" name="직사각형 14">
-            <a:extLst>
-              <a:ext uri="{FF2B5EF4-FFF2-40B4-BE49-F238E27FC236}">
-                <a16:creationId xmlns:a16="http://schemas.microsoft.com/office/drawing/2014/main" id="{EB701511-85B9-478B-AEC5-19F030E10A4F}"/>
-              </a:ext>
-            </a:extLst>
-          </p:cNvPr>
-          <p:cNvSpPr/>
-          <p:nvPr/>
-        </p:nvSpPr>
-        <p:spPr>
-          <a:xfrm>
-            <a:off x="3109761" y="5294452"/>
-            <a:ext cx="891104" cy="550761"/>
-          </a:xfrm>
-          <a:prstGeom prst="rect">
-            <a:avLst/>
-          </a:prstGeom>
-          <a:noFill/>
-          <a:ln w="76200"/>
-        </p:spPr>
-        <p:style>
-          <a:lnRef idx="2">
-            <a:schemeClr val="accent1">
-              <a:shade val="50000"/>
-            </a:schemeClr>
-          </a:lnRef>
-          <a:fillRef idx="1">
-            <a:schemeClr val="accent1"/>
-          </a:fillRef>
-          <a:effectRef idx="0">
-            <a:schemeClr val="accent1"/>
-          </a:effectRef>
-          <a:fontRef idx="minor">
-            <a:schemeClr val="lt1"/>
-          </a:fontRef>
-        </p:style>
-        <p:txBody>
-          <a:bodyPr rtlCol="0" anchor="ctr"/>
-          <a:lstStyle/>
-          <a:p>
-            <a:pPr algn="ctr"/>
-            <a:endParaRPr lang="ko-KR" altLang="en-US"/>
-          </a:p>
-        </p:txBody>
-      </p:sp>
-    </p:spTree>
-    <p:extLst>
-      <p:ext uri="{BB962C8B-B14F-4D97-AF65-F5344CB8AC3E}">
-        <p14:creationId xmlns:p14="http://schemas.microsoft.com/office/powerpoint/2010/main" val="180061165"/>
-      </p:ext>
-    </p:extLst>
-  </p:cSld>
-  <p:clrMapOvr>
-    <a:masterClrMapping/>
-  </p:clrMapOvr>
-</p:sld>
-</file>
-
 <file path=ppt/slides/slide19.xml><?xml version="1.0" encoding="utf-8"?>
 <p:sld xmlns:a="http://schemas.openxmlformats.org/drawingml/2006/main" xmlns:r="http://schemas.openxmlformats.org/officeDocument/2006/relationships" xmlns:p="http://schemas.openxmlformats.org/presentationml/2006/main">
   <p:cSld>
@@ -5351,40 +4954,574 @@
           <a:chExt cx="0" cy="0"/>
         </a:xfrm>
       </p:grpSpPr>
-      <p:pic>
-        <p:nvPicPr>
-          <p:cNvPr id="2" name="그림 1">
-            <a:extLst>
-              <a:ext uri="{FF2B5EF4-FFF2-40B4-BE49-F238E27FC236}">
-                <a16:creationId xmlns:a16="http://schemas.microsoft.com/office/drawing/2014/main" id="{B090F11B-0197-403C-932B-8F624D02FA1E}"/>
-              </a:ext>
-            </a:extLst>
-          </p:cNvPr>
-          <p:cNvPicPr>
-            <a:picLocks noChangeAspect="1"/>
-          </p:cNvPicPr>
+      <p:sp>
+        <p:nvSpPr>
+          <p:cNvPr id="3" name="직사각형 2">
+            <a:extLst>
+              <a:ext uri="{FF2B5EF4-FFF2-40B4-BE49-F238E27FC236}">
+                <a16:creationId xmlns:a16="http://schemas.microsoft.com/office/drawing/2014/main" id="{CB0932BF-739C-4A6B-B2F6-476EF7B997D2}"/>
+              </a:ext>
+            </a:extLst>
+          </p:cNvPr>
+          <p:cNvSpPr/>
           <p:nvPr/>
-        </p:nvPicPr>
-        <p:blipFill>
-          <a:blip r:embed="rId2"/>
-          <a:stretch>
-            <a:fillRect/>
-          </a:stretch>
-        </p:blipFill>
-        <p:spPr>
-          <a:xfrm>
-            <a:off x="7948964" y="1917622"/>
-            <a:ext cx="3486329" cy="3022755"/>
+        </p:nvSpPr>
+        <p:spPr>
+          <a:xfrm>
+            <a:off x="5277203" y="946929"/>
+            <a:ext cx="1637593" cy="1101791"/>
           </a:xfrm>
           <a:prstGeom prst="rect">
             <a:avLst/>
           </a:prstGeom>
-        </p:spPr>
-      </p:pic>
+          <a:noFill/>
+          <a:ln w="76200"/>
+        </p:spPr>
+        <p:style>
+          <a:lnRef idx="2">
+            <a:schemeClr val="accent1">
+              <a:shade val="50000"/>
+            </a:schemeClr>
+          </a:lnRef>
+          <a:fillRef idx="1">
+            <a:schemeClr val="accent1"/>
+          </a:fillRef>
+          <a:effectRef idx="0">
+            <a:schemeClr val="accent1"/>
+          </a:effectRef>
+          <a:fontRef idx="minor">
+            <a:schemeClr val="lt1"/>
+          </a:fontRef>
+        </p:style>
+        <p:txBody>
+          <a:bodyPr rtlCol="0" anchor="ctr"/>
+          <a:lstStyle/>
+          <a:p>
+            <a:pPr algn="ctr"/>
+            <a:endParaRPr lang="ko-KR" altLang="en-US"/>
+          </a:p>
+        </p:txBody>
+      </p:sp>
+      <p:sp>
+        <p:nvSpPr>
+          <p:cNvPr id="4" name="직사각형 3">
+            <a:extLst>
+              <a:ext uri="{FF2B5EF4-FFF2-40B4-BE49-F238E27FC236}">
+                <a16:creationId xmlns:a16="http://schemas.microsoft.com/office/drawing/2014/main" id="{A16365A1-C7CB-4312-980D-EFC6F49AB269}"/>
+              </a:ext>
+            </a:extLst>
+          </p:cNvPr>
+          <p:cNvSpPr/>
+          <p:nvPr/>
+        </p:nvSpPr>
+        <p:spPr>
+          <a:xfrm>
+            <a:off x="1093807" y="3429001"/>
+            <a:ext cx="1637593" cy="1101791"/>
+          </a:xfrm>
+          <a:prstGeom prst="rect">
+            <a:avLst/>
+          </a:prstGeom>
+          <a:noFill/>
+          <a:ln w="76200"/>
+        </p:spPr>
+        <p:style>
+          <a:lnRef idx="2">
+            <a:schemeClr val="accent1">
+              <a:shade val="50000"/>
+            </a:schemeClr>
+          </a:lnRef>
+          <a:fillRef idx="1">
+            <a:schemeClr val="accent1"/>
+          </a:fillRef>
+          <a:effectRef idx="0">
+            <a:schemeClr val="accent1"/>
+          </a:effectRef>
+          <a:fontRef idx="minor">
+            <a:schemeClr val="lt1"/>
+          </a:fontRef>
+        </p:style>
+        <p:txBody>
+          <a:bodyPr rtlCol="0" anchor="ctr"/>
+          <a:lstStyle/>
+          <a:p>
+            <a:pPr algn="ctr"/>
+            <a:endParaRPr lang="ko-KR" altLang="en-US"/>
+          </a:p>
+        </p:txBody>
+      </p:sp>
+      <p:sp>
+        <p:nvSpPr>
+          <p:cNvPr id="5" name="직사각형 4">
+            <a:extLst>
+              <a:ext uri="{FF2B5EF4-FFF2-40B4-BE49-F238E27FC236}">
+                <a16:creationId xmlns:a16="http://schemas.microsoft.com/office/drawing/2014/main" id="{5F032169-31EF-4181-81C5-81C54EA438D9}"/>
+              </a:ext>
+            </a:extLst>
+          </p:cNvPr>
+          <p:cNvSpPr/>
+          <p:nvPr/>
+        </p:nvSpPr>
+        <p:spPr>
+          <a:xfrm>
+            <a:off x="4018569" y="3429001"/>
+            <a:ext cx="1637593" cy="1101791"/>
+          </a:xfrm>
+          <a:prstGeom prst="rect">
+            <a:avLst/>
+          </a:prstGeom>
+          <a:noFill/>
+          <a:ln w="76200"/>
+        </p:spPr>
+        <p:style>
+          <a:lnRef idx="2">
+            <a:schemeClr val="accent1">
+              <a:shade val="50000"/>
+            </a:schemeClr>
+          </a:lnRef>
+          <a:fillRef idx="1">
+            <a:schemeClr val="accent1"/>
+          </a:fillRef>
+          <a:effectRef idx="0">
+            <a:schemeClr val="accent1"/>
+          </a:effectRef>
+          <a:fontRef idx="minor">
+            <a:schemeClr val="lt1"/>
+          </a:fontRef>
+        </p:style>
+        <p:txBody>
+          <a:bodyPr rtlCol="0" anchor="ctr"/>
+          <a:lstStyle/>
+          <a:p>
+            <a:pPr algn="ctr"/>
+            <a:endParaRPr lang="ko-KR" altLang="en-US"/>
+          </a:p>
+        </p:txBody>
+      </p:sp>
+      <p:sp>
+        <p:nvSpPr>
+          <p:cNvPr id="6" name="직사각형 5">
+            <a:extLst>
+              <a:ext uri="{FF2B5EF4-FFF2-40B4-BE49-F238E27FC236}">
+                <a16:creationId xmlns:a16="http://schemas.microsoft.com/office/drawing/2014/main" id="{2D3A17AB-6B27-4398-A4F4-4CA05C4D7F22}"/>
+              </a:ext>
+            </a:extLst>
+          </p:cNvPr>
+          <p:cNvSpPr/>
+          <p:nvPr/>
+        </p:nvSpPr>
+        <p:spPr>
+          <a:xfrm>
+            <a:off x="6857518" y="3429001"/>
+            <a:ext cx="1637593" cy="1101791"/>
+          </a:xfrm>
+          <a:prstGeom prst="rect">
+            <a:avLst/>
+          </a:prstGeom>
+          <a:noFill/>
+          <a:ln w="76200"/>
+        </p:spPr>
+        <p:style>
+          <a:lnRef idx="2">
+            <a:schemeClr val="accent1">
+              <a:shade val="50000"/>
+            </a:schemeClr>
+          </a:lnRef>
+          <a:fillRef idx="1">
+            <a:schemeClr val="accent1"/>
+          </a:fillRef>
+          <a:effectRef idx="0">
+            <a:schemeClr val="accent1"/>
+          </a:effectRef>
+          <a:fontRef idx="minor">
+            <a:schemeClr val="lt1"/>
+          </a:fontRef>
+        </p:style>
+        <p:txBody>
+          <a:bodyPr rtlCol="0" anchor="ctr"/>
+          <a:lstStyle/>
+          <a:p>
+            <a:pPr algn="ctr"/>
+            <a:endParaRPr lang="ko-KR" altLang="en-US"/>
+          </a:p>
+        </p:txBody>
+      </p:sp>
+      <p:sp>
+        <p:nvSpPr>
+          <p:cNvPr id="7" name="직사각형 6">
+            <a:extLst>
+              <a:ext uri="{FF2B5EF4-FFF2-40B4-BE49-F238E27FC236}">
+                <a16:creationId xmlns:a16="http://schemas.microsoft.com/office/drawing/2014/main" id="{D301C14E-AB4B-4F08-9083-26116C13E2B4}"/>
+              </a:ext>
+            </a:extLst>
+          </p:cNvPr>
+          <p:cNvSpPr/>
+          <p:nvPr/>
+        </p:nvSpPr>
+        <p:spPr>
+          <a:xfrm>
+            <a:off x="9616666" y="3429000"/>
+            <a:ext cx="1637593" cy="1101791"/>
+          </a:xfrm>
+          <a:prstGeom prst="rect">
+            <a:avLst/>
+          </a:prstGeom>
+          <a:noFill/>
+          <a:ln w="76200"/>
+        </p:spPr>
+        <p:style>
+          <a:lnRef idx="2">
+            <a:schemeClr val="accent1">
+              <a:shade val="50000"/>
+            </a:schemeClr>
+          </a:lnRef>
+          <a:fillRef idx="1">
+            <a:schemeClr val="accent1"/>
+          </a:fillRef>
+          <a:effectRef idx="0">
+            <a:schemeClr val="accent1"/>
+          </a:effectRef>
+          <a:fontRef idx="minor">
+            <a:schemeClr val="lt1"/>
+          </a:fontRef>
+        </p:style>
+        <p:txBody>
+          <a:bodyPr rtlCol="0" anchor="ctr"/>
+          <a:lstStyle/>
+          <a:p>
+            <a:pPr algn="ctr"/>
+            <a:endParaRPr lang="ko-KR" altLang="en-US"/>
+          </a:p>
+        </p:txBody>
+      </p:sp>
+      <p:sp>
+        <p:nvSpPr>
+          <p:cNvPr id="8" name="TextBox 7">
+            <a:extLst>
+              <a:ext uri="{FF2B5EF4-FFF2-40B4-BE49-F238E27FC236}">
+                <a16:creationId xmlns:a16="http://schemas.microsoft.com/office/drawing/2014/main" id="{A2549B6B-052D-4CA1-B52B-34A0C52BF8BB}"/>
+              </a:ext>
+            </a:extLst>
+          </p:cNvPr>
+          <p:cNvSpPr txBox="1"/>
+          <p:nvPr/>
+        </p:nvSpPr>
+        <p:spPr>
+          <a:xfrm>
+            <a:off x="5469866" y="1236214"/>
+            <a:ext cx="1252266" cy="523220"/>
+          </a:xfrm>
+          <a:prstGeom prst="rect">
+            <a:avLst/>
+          </a:prstGeom>
+          <a:noFill/>
+        </p:spPr>
+        <p:txBody>
+          <a:bodyPr wrap="none" rtlCol="0">
+            <a:spAutoFit/>
+          </a:bodyPr>
+          <a:lstStyle/>
+          <a:p>
+            <a:r>
+              <a:rPr lang="en-US" altLang="ko-KR" sz="2800" dirty="0"/>
+              <a:t>Object</a:t>
+            </a:r>
+            <a:endParaRPr lang="ko-KR" altLang="en-US" sz="2800" dirty="0"/>
+          </a:p>
+        </p:txBody>
+      </p:sp>
+      <p:sp>
+        <p:nvSpPr>
+          <p:cNvPr id="9" name="TextBox 8">
+            <a:extLst>
+              <a:ext uri="{FF2B5EF4-FFF2-40B4-BE49-F238E27FC236}">
+                <a16:creationId xmlns:a16="http://schemas.microsoft.com/office/drawing/2014/main" id="{8B257814-D889-444E-B8C3-C4B3DAC7BB3C}"/>
+              </a:ext>
+            </a:extLst>
+          </p:cNvPr>
+          <p:cNvSpPr txBox="1"/>
+          <p:nvPr/>
+        </p:nvSpPr>
+        <p:spPr>
+          <a:xfrm>
+            <a:off x="1166114" y="3795229"/>
+            <a:ext cx="1417376" cy="369332"/>
+          </a:xfrm>
+          <a:prstGeom prst="rect">
+            <a:avLst/>
+          </a:prstGeom>
+          <a:noFill/>
+        </p:spPr>
+        <p:txBody>
+          <a:bodyPr wrap="none" rtlCol="0">
+            <a:spAutoFit/>
+          </a:bodyPr>
+          <a:lstStyle/>
+          <a:p>
+            <a:r>
+              <a:rPr lang="en-US" altLang="ko-KR" dirty="0"/>
+              <a:t>Component</a:t>
+            </a:r>
+            <a:endParaRPr lang="ko-KR" altLang="en-US" dirty="0"/>
+          </a:p>
+        </p:txBody>
+      </p:sp>
+      <p:sp>
+        <p:nvSpPr>
+          <p:cNvPr id="10" name="TextBox 9">
+            <a:extLst>
+              <a:ext uri="{FF2B5EF4-FFF2-40B4-BE49-F238E27FC236}">
+                <a16:creationId xmlns:a16="http://schemas.microsoft.com/office/drawing/2014/main" id="{F2FD5069-3AAE-4661-85BB-924A8D138667}"/>
+              </a:ext>
+            </a:extLst>
+          </p:cNvPr>
+          <p:cNvSpPr txBox="1"/>
+          <p:nvPr/>
+        </p:nvSpPr>
+        <p:spPr>
+          <a:xfrm>
+            <a:off x="4590374" y="3828157"/>
+            <a:ext cx="493981" cy="369332"/>
+          </a:xfrm>
+          <a:prstGeom prst="rect">
+            <a:avLst/>
+          </a:prstGeom>
+          <a:noFill/>
+        </p:spPr>
+        <p:txBody>
+          <a:bodyPr wrap="none" rtlCol="0">
+            <a:spAutoFit/>
+          </a:bodyPr>
+          <a:lstStyle/>
+          <a:p>
+            <a:r>
+              <a:rPr lang="en-US" altLang="ko-KR" dirty="0" err="1"/>
+              <a:t>etc</a:t>
+            </a:r>
+            <a:endParaRPr lang="ko-KR" altLang="en-US" dirty="0"/>
+          </a:p>
+        </p:txBody>
+      </p:sp>
+      <p:sp>
+        <p:nvSpPr>
+          <p:cNvPr id="11" name="TextBox 10">
+            <a:extLst>
+              <a:ext uri="{FF2B5EF4-FFF2-40B4-BE49-F238E27FC236}">
+                <a16:creationId xmlns:a16="http://schemas.microsoft.com/office/drawing/2014/main" id="{C14EEAFD-BA38-4EC9-9F09-6F09092DCD7D}"/>
+              </a:ext>
+            </a:extLst>
+          </p:cNvPr>
+          <p:cNvSpPr txBox="1"/>
+          <p:nvPr/>
+        </p:nvSpPr>
+        <p:spPr>
+          <a:xfrm>
+            <a:off x="7429323" y="3805008"/>
+            <a:ext cx="493981" cy="369332"/>
+          </a:xfrm>
+          <a:prstGeom prst="rect">
+            <a:avLst/>
+          </a:prstGeom>
+          <a:noFill/>
+        </p:spPr>
+        <p:txBody>
+          <a:bodyPr wrap="none" rtlCol="0">
+            <a:spAutoFit/>
+          </a:bodyPr>
+          <a:lstStyle/>
+          <a:p>
+            <a:r>
+              <a:rPr lang="en-US" altLang="ko-KR" dirty="0" err="1"/>
+              <a:t>etc</a:t>
+            </a:r>
+            <a:endParaRPr lang="ko-KR" altLang="en-US" dirty="0"/>
+          </a:p>
+        </p:txBody>
+      </p:sp>
+      <p:sp>
+        <p:nvSpPr>
+          <p:cNvPr id="12" name="TextBox 11">
+            <a:extLst>
+              <a:ext uri="{FF2B5EF4-FFF2-40B4-BE49-F238E27FC236}">
+                <a16:creationId xmlns:a16="http://schemas.microsoft.com/office/drawing/2014/main" id="{47FA1520-8CCA-421C-946C-F72651B9AC7B}"/>
+              </a:ext>
+            </a:extLst>
+          </p:cNvPr>
+          <p:cNvSpPr txBox="1"/>
+          <p:nvPr/>
+        </p:nvSpPr>
+        <p:spPr>
+          <a:xfrm>
+            <a:off x="10188471" y="3795229"/>
+            <a:ext cx="458780" cy="369332"/>
+          </a:xfrm>
+          <a:prstGeom prst="rect">
+            <a:avLst/>
+          </a:prstGeom>
+          <a:noFill/>
+        </p:spPr>
+        <p:txBody>
+          <a:bodyPr wrap="none" rtlCol="0">
+            <a:spAutoFit/>
+          </a:bodyPr>
+          <a:lstStyle/>
+          <a:p>
+            <a:r>
+              <a:rPr lang="en-US" altLang="ko-KR" dirty="0"/>
+              <a:t>…..</a:t>
+            </a:r>
+            <a:endParaRPr lang="ko-KR" altLang="en-US" dirty="0"/>
+          </a:p>
+        </p:txBody>
+      </p:sp>
+      <p:sp>
+        <p:nvSpPr>
+          <p:cNvPr id="13" name="직사각형 12">
+            <a:extLst>
+              <a:ext uri="{FF2B5EF4-FFF2-40B4-BE49-F238E27FC236}">
+                <a16:creationId xmlns:a16="http://schemas.microsoft.com/office/drawing/2014/main" id="{01B67753-D196-4006-A9F3-830E4AD4D85B}"/>
+              </a:ext>
+            </a:extLst>
+          </p:cNvPr>
+          <p:cNvSpPr/>
+          <p:nvPr/>
+        </p:nvSpPr>
+        <p:spPr>
+          <a:xfrm>
+            <a:off x="275011" y="5294454"/>
+            <a:ext cx="891104" cy="550761"/>
+          </a:xfrm>
+          <a:prstGeom prst="rect">
+            <a:avLst/>
+          </a:prstGeom>
+          <a:noFill/>
+          <a:ln w="76200"/>
+        </p:spPr>
+        <p:style>
+          <a:lnRef idx="2">
+            <a:schemeClr val="accent1">
+              <a:shade val="50000"/>
+            </a:schemeClr>
+          </a:lnRef>
+          <a:fillRef idx="1">
+            <a:schemeClr val="accent1"/>
+          </a:fillRef>
+          <a:effectRef idx="0">
+            <a:schemeClr val="accent1"/>
+          </a:effectRef>
+          <a:fontRef idx="minor">
+            <a:schemeClr val="lt1"/>
+          </a:fontRef>
+        </p:style>
+        <p:txBody>
+          <a:bodyPr rtlCol="0" anchor="ctr"/>
+          <a:lstStyle/>
+          <a:p>
+            <a:pPr algn="ctr"/>
+            <a:endParaRPr lang="ko-KR" altLang="en-US"/>
+          </a:p>
+        </p:txBody>
+      </p:sp>
+      <p:sp>
+        <p:nvSpPr>
+          <p:cNvPr id="14" name="직사각형 13">
+            <a:extLst>
+              <a:ext uri="{FF2B5EF4-FFF2-40B4-BE49-F238E27FC236}">
+                <a16:creationId xmlns:a16="http://schemas.microsoft.com/office/drawing/2014/main" id="{889327AF-17C6-4802-BD6F-B6369F25D5E0}"/>
+              </a:ext>
+            </a:extLst>
+          </p:cNvPr>
+          <p:cNvSpPr/>
+          <p:nvPr/>
+        </p:nvSpPr>
+        <p:spPr>
+          <a:xfrm>
+            <a:off x="1692386" y="5294453"/>
+            <a:ext cx="891104" cy="550761"/>
+          </a:xfrm>
+          <a:prstGeom prst="rect">
+            <a:avLst/>
+          </a:prstGeom>
+          <a:noFill/>
+          <a:ln w="76200"/>
+        </p:spPr>
+        <p:style>
+          <a:lnRef idx="2">
+            <a:schemeClr val="accent1">
+              <a:shade val="50000"/>
+            </a:schemeClr>
+          </a:lnRef>
+          <a:fillRef idx="1">
+            <a:schemeClr val="accent1"/>
+          </a:fillRef>
+          <a:effectRef idx="0">
+            <a:schemeClr val="accent1"/>
+          </a:effectRef>
+          <a:fontRef idx="minor">
+            <a:schemeClr val="lt1"/>
+          </a:fontRef>
+        </p:style>
+        <p:txBody>
+          <a:bodyPr rtlCol="0" anchor="ctr"/>
+          <a:lstStyle/>
+          <a:p>
+            <a:pPr algn="ctr"/>
+            <a:endParaRPr lang="ko-KR" altLang="en-US"/>
+          </a:p>
+        </p:txBody>
+      </p:sp>
+      <p:sp>
+        <p:nvSpPr>
+          <p:cNvPr id="15" name="직사각형 14">
+            <a:extLst>
+              <a:ext uri="{FF2B5EF4-FFF2-40B4-BE49-F238E27FC236}">
+                <a16:creationId xmlns:a16="http://schemas.microsoft.com/office/drawing/2014/main" id="{EB701511-85B9-478B-AEC5-19F030E10A4F}"/>
+              </a:ext>
+            </a:extLst>
+          </p:cNvPr>
+          <p:cNvSpPr/>
+          <p:nvPr/>
+        </p:nvSpPr>
+        <p:spPr>
+          <a:xfrm>
+            <a:off x="3109761" y="5294452"/>
+            <a:ext cx="891104" cy="550761"/>
+          </a:xfrm>
+          <a:prstGeom prst="rect">
+            <a:avLst/>
+          </a:prstGeom>
+          <a:noFill/>
+          <a:ln w="76200"/>
+        </p:spPr>
+        <p:style>
+          <a:lnRef idx="2">
+            <a:schemeClr val="accent1">
+              <a:shade val="50000"/>
+            </a:schemeClr>
+          </a:lnRef>
+          <a:fillRef idx="1">
+            <a:schemeClr val="accent1"/>
+          </a:fillRef>
+          <a:effectRef idx="0">
+            <a:schemeClr val="accent1"/>
+          </a:effectRef>
+          <a:fontRef idx="minor">
+            <a:schemeClr val="lt1"/>
+          </a:fontRef>
+        </p:style>
+        <p:txBody>
+          <a:bodyPr rtlCol="0" anchor="ctr"/>
+          <a:lstStyle/>
+          <a:p>
+            <a:pPr algn="ctr"/>
+            <a:endParaRPr lang="ko-KR" altLang="en-US"/>
+          </a:p>
+        </p:txBody>
+      </p:sp>
     </p:spTree>
     <p:extLst>
       <p:ext uri="{BB962C8B-B14F-4D97-AF65-F5344CB8AC3E}">
-        <p14:creationId xmlns:p14="http://schemas.microsoft.com/office/powerpoint/2010/main" val="2102681638"/>
+        <p14:creationId xmlns:p14="http://schemas.microsoft.com/office/powerpoint/2010/main" val="180061165"/>
       </p:ext>
     </p:extLst>
   </p:cSld>
@@ -5411,40 +5548,153 @@
           <a:chExt cx="0" cy="0"/>
         </a:xfrm>
       </p:grpSpPr>
-      <p:pic>
-        <p:nvPicPr>
-          <p:cNvPr id="2" name="그림 1">
-            <a:extLst>
-              <a:ext uri="{FF2B5EF4-FFF2-40B4-BE49-F238E27FC236}">
-                <a16:creationId xmlns:a16="http://schemas.microsoft.com/office/drawing/2014/main" id="{0A11B656-5DAD-43ED-9CDA-189828A2E55E}"/>
-              </a:ext>
-            </a:extLst>
-          </p:cNvPr>
-          <p:cNvPicPr>
-            <a:picLocks noChangeAspect="1"/>
-          </p:cNvPicPr>
+      <p:sp>
+        <p:nvSpPr>
+          <p:cNvPr id="3" name="TextBox 2">
+            <a:extLst>
+              <a:ext uri="{FF2B5EF4-FFF2-40B4-BE49-F238E27FC236}">
+                <a16:creationId xmlns:a16="http://schemas.microsoft.com/office/drawing/2014/main" id="{4B412B85-B96E-4BA7-A8C4-FD3D3753B935}"/>
+              </a:ext>
+            </a:extLst>
+          </p:cNvPr>
+          <p:cNvSpPr txBox="1"/>
           <p:nvPr/>
-        </p:nvPicPr>
-        <p:blipFill>
-          <a:blip r:embed="rId2"/>
-          <a:stretch>
-            <a:fillRect/>
-          </a:stretch>
-        </p:blipFill>
-        <p:spPr>
-          <a:xfrm>
-            <a:off x="770062" y="1136610"/>
-            <a:ext cx="11063476" cy="4584780"/>
+        </p:nvSpPr>
+        <p:spPr>
+          <a:xfrm>
+            <a:off x="709862" y="1203157"/>
+            <a:ext cx="7507707" cy="1815882"/>
           </a:xfrm>
           <a:prstGeom prst="rect">
             <a:avLst/>
           </a:prstGeom>
-        </p:spPr>
-      </p:pic>
+          <a:noFill/>
+        </p:spPr>
+        <p:txBody>
+          <a:bodyPr wrap="square" rtlCol="0">
+            <a:spAutoFit/>
+          </a:bodyPr>
+          <a:lstStyle/>
+          <a:p>
+            <a:r>
+              <a:rPr lang="ko-KR" altLang="en-US" sz="4000" dirty="0"/>
+              <a:t>클래스</a:t>
+            </a:r>
+            <a:r>
+              <a:rPr lang="en-US" altLang="ko-KR" sz="4000" dirty="0"/>
+              <a:t>(class)</a:t>
+            </a:r>
+          </a:p>
+          <a:p>
+            <a:r>
+              <a:rPr lang="ko-KR" altLang="en-US" dirty="0"/>
+              <a:t>클래스란 객체를 정의하는 틀 또는 설계도와 같은 의미로 사용 됨</a:t>
+            </a:r>
+            <a:endParaRPr lang="en-US" altLang="ko-KR" dirty="0"/>
+          </a:p>
+          <a:p>
+            <a:r>
+              <a:rPr lang="ko-KR" altLang="en-US" dirty="0"/>
+              <a:t>이러한 설계도인 클래스를 가지고</a:t>
+            </a:r>
+            <a:r>
+              <a:rPr lang="en-US" altLang="ko-KR" dirty="0"/>
+              <a:t>, </a:t>
+            </a:r>
+            <a:r>
+              <a:rPr lang="ko-KR" altLang="en-US" dirty="0"/>
+              <a:t>객체를 생성하여 사용함</a:t>
+            </a:r>
+            <a:endParaRPr lang="en-US" altLang="ko-KR" dirty="0"/>
+          </a:p>
+          <a:p>
+            <a:endParaRPr lang="en-US" altLang="ko-KR" dirty="0"/>
+          </a:p>
+          <a:p>
+            <a:r>
+              <a:rPr lang="ko-KR" altLang="en-US" dirty="0"/>
+              <a:t>클래스는 필드와 메소드로 구성됨</a:t>
+            </a:r>
+            <a:endParaRPr lang="en-US" altLang="ko-KR" dirty="0"/>
+          </a:p>
+        </p:txBody>
+      </p:sp>
+      <p:sp>
+        <p:nvSpPr>
+          <p:cNvPr id="4" name="TextBox 3">
+            <a:extLst>
+              <a:ext uri="{FF2B5EF4-FFF2-40B4-BE49-F238E27FC236}">
+                <a16:creationId xmlns:a16="http://schemas.microsoft.com/office/drawing/2014/main" id="{2F7D9CD9-2BF2-408A-9720-F37212309584}"/>
+              </a:ext>
+            </a:extLst>
+          </p:cNvPr>
+          <p:cNvSpPr txBox="1"/>
+          <p:nvPr/>
+        </p:nvSpPr>
+        <p:spPr>
+          <a:xfrm>
+            <a:off x="709862" y="3562234"/>
+            <a:ext cx="9015666" cy="1815882"/>
+          </a:xfrm>
+          <a:prstGeom prst="rect">
+            <a:avLst/>
+          </a:prstGeom>
+          <a:noFill/>
+        </p:spPr>
+        <p:txBody>
+          <a:bodyPr wrap="square" rtlCol="0">
+            <a:spAutoFit/>
+          </a:bodyPr>
+          <a:lstStyle/>
+          <a:p>
+            <a:r>
+              <a:rPr lang="ko-KR" altLang="en-US" sz="4000" dirty="0"/>
+              <a:t>객체와 인스턴스</a:t>
+            </a:r>
+            <a:endParaRPr lang="en-US" altLang="ko-KR" sz="4000" dirty="0"/>
+          </a:p>
+          <a:p>
+            <a:r>
+              <a:rPr lang="ko-KR" altLang="en-US" dirty="0"/>
+              <a:t>자바에서 클래스를 가지고 객체를 생성하는데 이를 해당 클래스의 </a:t>
+            </a:r>
+            <a:r>
+              <a:rPr lang="ko-KR" altLang="en-US" dirty="0" err="1"/>
+              <a:t>인스턴스화라고</a:t>
+            </a:r>
+            <a:r>
+              <a:rPr lang="ko-KR" altLang="en-US" dirty="0"/>
+              <a:t> 함</a:t>
+            </a:r>
+            <a:endParaRPr lang="en-US" altLang="ko-KR" dirty="0"/>
+          </a:p>
+          <a:p>
+            <a:r>
+              <a:rPr lang="ko-KR" altLang="en-US" dirty="0"/>
+              <a:t>이렇게 생성된 해당 클래스타입의 객체를 인스턴스라고 함</a:t>
+            </a:r>
+            <a:endParaRPr lang="en-US" altLang="ko-KR" dirty="0"/>
+          </a:p>
+          <a:p>
+            <a:endParaRPr lang="en-US" altLang="ko-KR" dirty="0"/>
+          </a:p>
+          <a:p>
+            <a:r>
+              <a:rPr lang="ko-KR" altLang="en-US" dirty="0" err="1"/>
+              <a:t>인스턴스란</a:t>
+            </a:r>
+            <a:r>
+              <a:rPr lang="ko-KR" altLang="en-US" dirty="0"/>
+              <a:t> 메모리에 할당된 객체를 의미함</a:t>
+            </a:r>
+            <a:endParaRPr lang="en-US" altLang="ko-KR" dirty="0"/>
+          </a:p>
+        </p:txBody>
+      </p:sp>
     </p:spTree>
     <p:extLst>
       <p:ext uri="{BB962C8B-B14F-4D97-AF65-F5344CB8AC3E}">
-        <p14:creationId xmlns:p14="http://schemas.microsoft.com/office/powerpoint/2010/main" val="3545875197"/>
+        <p14:creationId xmlns:p14="http://schemas.microsoft.com/office/powerpoint/2010/main" val="1576762247"/>
       </p:ext>
     </p:extLst>
   </p:cSld>
@@ -5471,58 +5721,422 @@
           <a:chExt cx="0" cy="0"/>
         </a:xfrm>
       </p:grpSpPr>
-      <p:sp>
-        <p:nvSpPr>
-          <p:cNvPr id="3" name="직사각형 2">
-            <a:extLst>
-              <a:ext uri="{FF2B5EF4-FFF2-40B4-BE49-F238E27FC236}">
-                <a16:creationId xmlns:a16="http://schemas.microsoft.com/office/drawing/2014/main" id="{8D5C7184-B93B-4434-A713-89ED5CFE8EC6}"/>
-              </a:ext>
-            </a:extLst>
-          </p:cNvPr>
-          <p:cNvSpPr/>
+      <p:pic>
+        <p:nvPicPr>
+          <p:cNvPr id="2" name="그림 1">
+            <a:extLst>
+              <a:ext uri="{FF2B5EF4-FFF2-40B4-BE49-F238E27FC236}">
+                <a16:creationId xmlns:a16="http://schemas.microsoft.com/office/drawing/2014/main" id="{B090F11B-0197-403C-932B-8F624D02FA1E}"/>
+              </a:ext>
+            </a:extLst>
+          </p:cNvPr>
+          <p:cNvPicPr>
+            <a:picLocks noChangeAspect="1"/>
+          </p:cNvPicPr>
           <p:nvPr/>
-        </p:nvSpPr>
-        <p:spPr>
-          <a:xfrm>
-            <a:off x="8389620" y="1945640"/>
-            <a:ext cx="2204720" cy="1483360"/>
+        </p:nvPicPr>
+        <p:blipFill>
+          <a:blip r:embed="rId2"/>
+          <a:stretch>
+            <a:fillRect/>
+          </a:stretch>
+        </p:blipFill>
+        <p:spPr>
+          <a:xfrm>
+            <a:off x="3701055" y="1134630"/>
+            <a:ext cx="5292474" cy="4588739"/>
           </a:xfrm>
           <a:prstGeom prst="rect">
             <a:avLst/>
           </a:prstGeom>
-          <a:noFill/>
-          <a:ln w="76200"/>
-        </p:spPr>
-        <p:style>
-          <a:lnRef idx="2">
-            <a:schemeClr val="accent1">
-              <a:shade val="50000"/>
-            </a:schemeClr>
-          </a:lnRef>
-          <a:fillRef idx="1">
-            <a:schemeClr val="accent1"/>
-          </a:fillRef>
-          <a:effectRef idx="0">
-            <a:schemeClr val="accent1"/>
-          </a:effectRef>
-          <a:fontRef idx="minor">
-            <a:schemeClr val="lt1"/>
-          </a:fontRef>
-        </p:style>
-        <p:txBody>
-          <a:bodyPr rtlCol="0" anchor="ctr"/>
-          <a:lstStyle/>
-          <a:p>
-            <a:pPr algn="ctr"/>
-            <a:endParaRPr lang="ko-KR" altLang="en-US"/>
-          </a:p>
-        </p:txBody>
-      </p:sp>
+        </p:spPr>
+      </p:pic>
     </p:spTree>
     <p:extLst>
       <p:ext uri="{BB962C8B-B14F-4D97-AF65-F5344CB8AC3E}">
-        <p14:creationId xmlns:p14="http://schemas.microsoft.com/office/powerpoint/2010/main" val="676024559"/>
+        <p14:creationId xmlns:p14="http://schemas.microsoft.com/office/powerpoint/2010/main" val="2102681638"/>
+      </p:ext>
+    </p:extLst>
+  </p:cSld>
+  <p:clrMapOvr>
+    <a:masterClrMapping/>
+  </p:clrMapOvr>
+</p:sld>
+</file>
+
+<file path=ppt/slides/slide21.xml><?xml version="1.0" encoding="utf-8"?>
+<p:sld xmlns:a="http://schemas.openxmlformats.org/drawingml/2006/main" xmlns:r="http://schemas.openxmlformats.org/officeDocument/2006/relationships" xmlns:p="http://schemas.openxmlformats.org/presentationml/2006/main">
+  <p:cSld>
+    <p:spTree>
+      <p:nvGrpSpPr>
+        <p:cNvPr id="1" name=""/>
+        <p:cNvGrpSpPr/>
+        <p:nvPr/>
+      </p:nvGrpSpPr>
+      <p:grpSpPr>
+        <a:xfrm>
+          <a:off x="0" y="0"/>
+          <a:ext cx="0" cy="0"/>
+          <a:chOff x="0" y="0"/>
+          <a:chExt cx="0" cy="0"/>
+        </a:xfrm>
+      </p:grpSpPr>
+      <p:pic>
+        <p:nvPicPr>
+          <p:cNvPr id="6" name="그림 5">
+            <a:extLst>
+              <a:ext uri="{FF2B5EF4-FFF2-40B4-BE49-F238E27FC236}">
+                <a16:creationId xmlns:a16="http://schemas.microsoft.com/office/drawing/2014/main" id="{A03369C2-075B-4773-93E2-E6EE75983CBB}"/>
+              </a:ext>
+            </a:extLst>
+          </p:cNvPr>
+          <p:cNvPicPr>
+            <a:picLocks noChangeAspect="1"/>
+          </p:cNvPicPr>
+          <p:nvPr/>
+        </p:nvPicPr>
+        <p:blipFill>
+          <a:blip r:embed="rId2"/>
+          <a:stretch>
+            <a:fillRect/>
+          </a:stretch>
+        </p:blipFill>
+        <p:spPr>
+          <a:xfrm>
+            <a:off x="1326393" y="1762246"/>
+            <a:ext cx="5340624" cy="2432175"/>
+          </a:xfrm>
+          <a:prstGeom prst="rect">
+            <a:avLst/>
+          </a:prstGeom>
+        </p:spPr>
+      </p:pic>
+      <p:pic>
+        <p:nvPicPr>
+          <p:cNvPr id="7" name="그림 6">
+            <a:extLst>
+              <a:ext uri="{FF2B5EF4-FFF2-40B4-BE49-F238E27FC236}">
+                <a16:creationId xmlns:a16="http://schemas.microsoft.com/office/drawing/2014/main" id="{686AF28F-3815-4D8A-B128-DEF369E06773}"/>
+              </a:ext>
+            </a:extLst>
+          </p:cNvPr>
+          <p:cNvPicPr>
+            <a:picLocks noChangeAspect="1"/>
+          </p:cNvPicPr>
+          <p:nvPr/>
+        </p:nvPicPr>
+        <p:blipFill>
+          <a:blip r:embed="rId3"/>
+          <a:stretch>
+            <a:fillRect/>
+          </a:stretch>
+        </p:blipFill>
+        <p:spPr>
+          <a:xfrm>
+            <a:off x="7543329" y="1089111"/>
+            <a:ext cx="2730640" cy="3778444"/>
+          </a:xfrm>
+          <a:prstGeom prst="rect">
+            <a:avLst/>
+          </a:prstGeom>
+        </p:spPr>
+      </p:pic>
+    </p:spTree>
+    <p:extLst>
+      <p:ext uri="{BB962C8B-B14F-4D97-AF65-F5344CB8AC3E}">
+        <p14:creationId xmlns:p14="http://schemas.microsoft.com/office/powerpoint/2010/main" val="1061959941"/>
+      </p:ext>
+    </p:extLst>
+  </p:cSld>
+  <p:clrMapOvr>
+    <a:masterClrMapping/>
+  </p:clrMapOvr>
+</p:sld>
+</file>
+
+<file path=ppt/slides/slide22.xml><?xml version="1.0" encoding="utf-8"?>
+<p:sld xmlns:a="http://schemas.openxmlformats.org/drawingml/2006/main" xmlns:r="http://schemas.openxmlformats.org/officeDocument/2006/relationships" xmlns:p="http://schemas.openxmlformats.org/presentationml/2006/main">
+  <p:cSld>
+    <p:spTree>
+      <p:nvGrpSpPr>
+        <p:cNvPr id="1" name=""/>
+        <p:cNvGrpSpPr/>
+        <p:nvPr/>
+      </p:nvGrpSpPr>
+      <p:grpSpPr>
+        <a:xfrm>
+          <a:off x="0" y="0"/>
+          <a:ext cx="0" cy="0"/>
+          <a:chOff x="0" y="0"/>
+          <a:chExt cx="0" cy="0"/>
+        </a:xfrm>
+      </p:grpSpPr>
+      <p:sp>
+        <p:nvSpPr>
+          <p:cNvPr id="2" name="TextBox 1">
+            <a:extLst>
+              <a:ext uri="{FF2B5EF4-FFF2-40B4-BE49-F238E27FC236}">
+                <a16:creationId xmlns:a16="http://schemas.microsoft.com/office/drawing/2014/main" id="{055EE7CD-3637-4E2C-896D-CD43A1A93FCC}"/>
+              </a:ext>
+            </a:extLst>
+          </p:cNvPr>
+          <p:cNvSpPr txBox="1"/>
+          <p:nvPr/>
+        </p:nvSpPr>
+        <p:spPr>
+          <a:xfrm>
+            <a:off x="1209675" y="1495424"/>
+            <a:ext cx="8105775" cy="1415772"/>
+          </a:xfrm>
+          <a:prstGeom prst="rect">
+            <a:avLst/>
+          </a:prstGeom>
+          <a:noFill/>
+        </p:spPr>
+        <p:txBody>
+          <a:bodyPr wrap="square" rtlCol="0">
+            <a:spAutoFit/>
+          </a:bodyPr>
+          <a:lstStyle/>
+          <a:p>
+            <a:r>
+              <a:rPr lang="ko-KR" altLang="en-US" sz="3200" dirty="0"/>
+              <a:t>인터페이스</a:t>
+            </a:r>
+            <a:r>
+              <a:rPr lang="en-US" altLang="ko-KR" sz="3200" dirty="0"/>
+              <a:t>(Interface)</a:t>
+            </a:r>
+          </a:p>
+          <a:p>
+            <a:r>
+              <a:rPr lang="ko-KR" altLang="en-US" dirty="0"/>
+              <a:t>모호성으로 인한 다중상속이 불가능하다는 점을 보완하기 위한 방법</a:t>
+            </a:r>
+            <a:endParaRPr lang="en-US" altLang="ko-KR" dirty="0"/>
+          </a:p>
+          <a:p>
+            <a:endParaRPr lang="en-US" altLang="ko-KR" dirty="0"/>
+          </a:p>
+          <a:p>
+            <a:r>
+              <a:rPr lang="ko-KR" altLang="en-US" dirty="0"/>
+              <a:t>추상 메소드와 상수로만 구성되어 있다</a:t>
+            </a:r>
+            <a:r>
+              <a:rPr lang="en-US" altLang="ko-KR" dirty="0"/>
+              <a:t>.</a:t>
+            </a:r>
+            <a:endParaRPr lang="ko-KR" altLang="en-US" dirty="0"/>
+          </a:p>
+        </p:txBody>
+      </p:sp>
+      <p:sp>
+        <p:nvSpPr>
+          <p:cNvPr id="3" name="TextBox 2">
+            <a:extLst>
+              <a:ext uri="{FF2B5EF4-FFF2-40B4-BE49-F238E27FC236}">
+                <a16:creationId xmlns:a16="http://schemas.microsoft.com/office/drawing/2014/main" id="{C2F6E18A-2603-4994-BAD5-2E81D505E1D3}"/>
+              </a:ext>
+            </a:extLst>
+          </p:cNvPr>
+          <p:cNvSpPr txBox="1"/>
+          <p:nvPr/>
+        </p:nvSpPr>
+        <p:spPr>
+          <a:xfrm>
+            <a:off x="1209675" y="3770615"/>
+            <a:ext cx="6852863" cy="1138773"/>
+          </a:xfrm>
+          <a:prstGeom prst="rect">
+            <a:avLst/>
+          </a:prstGeom>
+          <a:noFill/>
+        </p:spPr>
+        <p:txBody>
+          <a:bodyPr wrap="square" rtlCol="0">
+            <a:spAutoFit/>
+          </a:bodyPr>
+          <a:lstStyle/>
+          <a:p>
+            <a:r>
+              <a:rPr lang="ko-KR" altLang="en-US" sz="3200" dirty="0"/>
+              <a:t>추상 메소드</a:t>
+            </a:r>
+            <a:r>
+              <a:rPr lang="en-US" altLang="ko-KR" sz="3200" dirty="0"/>
+              <a:t>(abstract method)</a:t>
+            </a:r>
+          </a:p>
+          <a:p>
+            <a:r>
+              <a:rPr lang="ko-KR" altLang="en-US" dirty="0"/>
+              <a:t>메소드의 선언부만 있고 구현부를 작성하지 않은 메소드</a:t>
+            </a:r>
+            <a:endParaRPr lang="en-US" altLang="ko-KR" dirty="0"/>
+          </a:p>
+          <a:p>
+            <a:r>
+              <a:rPr lang="ko-KR" altLang="en-US" dirty="0"/>
+              <a:t>상속을 강제하게 한다</a:t>
+            </a:r>
+          </a:p>
+        </p:txBody>
+      </p:sp>
+    </p:spTree>
+    <p:extLst>
+      <p:ext uri="{BB962C8B-B14F-4D97-AF65-F5344CB8AC3E}">
+        <p14:creationId xmlns:p14="http://schemas.microsoft.com/office/powerpoint/2010/main" val="2315324143"/>
+      </p:ext>
+    </p:extLst>
+  </p:cSld>
+  <p:clrMapOvr>
+    <a:masterClrMapping/>
+  </p:clrMapOvr>
+</p:sld>
+</file>
+
+<file path=ppt/slides/slide23.xml><?xml version="1.0" encoding="utf-8"?>
+<p:sld xmlns:a="http://schemas.openxmlformats.org/drawingml/2006/main" xmlns:r="http://schemas.openxmlformats.org/officeDocument/2006/relationships" xmlns:p="http://schemas.openxmlformats.org/presentationml/2006/main">
+  <p:cSld>
+    <p:spTree>
+      <p:nvGrpSpPr>
+        <p:cNvPr id="1" name=""/>
+        <p:cNvGrpSpPr/>
+        <p:nvPr/>
+      </p:nvGrpSpPr>
+      <p:grpSpPr>
+        <a:xfrm>
+          <a:off x="0" y="0"/>
+          <a:ext cx="0" cy="0"/>
+          <a:chOff x="0" y="0"/>
+          <a:chExt cx="0" cy="0"/>
+        </a:xfrm>
+      </p:grpSpPr>
+      <p:pic>
+        <p:nvPicPr>
+          <p:cNvPr id="2" name="그림 1">
+            <a:extLst>
+              <a:ext uri="{FF2B5EF4-FFF2-40B4-BE49-F238E27FC236}">
+                <a16:creationId xmlns:a16="http://schemas.microsoft.com/office/drawing/2014/main" id="{EB6151FE-E340-4B15-AB5A-C61C858C2643}"/>
+              </a:ext>
+            </a:extLst>
+          </p:cNvPr>
+          <p:cNvPicPr>
+            <a:picLocks noChangeAspect="1"/>
+          </p:cNvPicPr>
+          <p:nvPr/>
+        </p:nvPicPr>
+        <p:blipFill>
+          <a:blip r:embed="rId2"/>
+          <a:stretch>
+            <a:fillRect/>
+          </a:stretch>
+        </p:blipFill>
+        <p:spPr>
+          <a:xfrm>
+            <a:off x="1273932" y="954632"/>
+            <a:ext cx="4076910" cy="1720938"/>
+          </a:xfrm>
+          <a:prstGeom prst="rect">
+            <a:avLst/>
+          </a:prstGeom>
+        </p:spPr>
+      </p:pic>
+      <p:pic>
+        <p:nvPicPr>
+          <p:cNvPr id="3" name="그림 2">
+            <a:extLst>
+              <a:ext uri="{FF2B5EF4-FFF2-40B4-BE49-F238E27FC236}">
+                <a16:creationId xmlns:a16="http://schemas.microsoft.com/office/drawing/2014/main" id="{53A1B336-D320-4801-A87C-8196EE5813A7}"/>
+              </a:ext>
+            </a:extLst>
+          </p:cNvPr>
+          <p:cNvPicPr>
+            <a:picLocks noChangeAspect="1"/>
+          </p:cNvPicPr>
+          <p:nvPr/>
+        </p:nvPicPr>
+        <p:blipFill>
+          <a:blip r:embed="rId3"/>
+          <a:stretch>
+            <a:fillRect/>
+          </a:stretch>
+        </p:blipFill>
+        <p:spPr>
+          <a:xfrm>
+            <a:off x="6841160" y="1456468"/>
+            <a:ext cx="2743341" cy="1092256"/>
+          </a:xfrm>
+          <a:prstGeom prst="rect">
+            <a:avLst/>
+          </a:prstGeom>
+        </p:spPr>
+      </p:pic>
+      <p:pic>
+        <p:nvPicPr>
+          <p:cNvPr id="5" name="그림 4">
+            <a:extLst>
+              <a:ext uri="{FF2B5EF4-FFF2-40B4-BE49-F238E27FC236}">
+                <a16:creationId xmlns:a16="http://schemas.microsoft.com/office/drawing/2014/main" id="{C372D26A-184F-495C-A1C9-DB671186C989}"/>
+              </a:ext>
+            </a:extLst>
+          </p:cNvPr>
+          <p:cNvPicPr>
+            <a:picLocks noChangeAspect="1"/>
+          </p:cNvPicPr>
+          <p:nvPr/>
+        </p:nvPicPr>
+        <p:blipFill>
+          <a:blip r:embed="rId4"/>
+          <a:stretch>
+            <a:fillRect/>
+          </a:stretch>
+        </p:blipFill>
+        <p:spPr>
+          <a:xfrm>
+            <a:off x="1172327" y="4079679"/>
+            <a:ext cx="4178515" cy="1822544"/>
+          </a:xfrm>
+          <a:prstGeom prst="rect">
+            <a:avLst/>
+          </a:prstGeom>
+        </p:spPr>
+      </p:pic>
+      <p:pic>
+        <p:nvPicPr>
+          <p:cNvPr id="6" name="그림 5">
+            <a:extLst>
+              <a:ext uri="{FF2B5EF4-FFF2-40B4-BE49-F238E27FC236}">
+                <a16:creationId xmlns:a16="http://schemas.microsoft.com/office/drawing/2014/main" id="{ED4CE9B8-2909-46F2-BFAC-EE149186AD41}"/>
+              </a:ext>
+            </a:extLst>
+          </p:cNvPr>
+          <p:cNvPicPr>
+            <a:picLocks noChangeAspect="1"/>
+          </p:cNvPicPr>
+          <p:nvPr/>
+        </p:nvPicPr>
+        <p:blipFill>
+          <a:blip r:embed="rId5"/>
+          <a:stretch>
+            <a:fillRect/>
+          </a:stretch>
+        </p:blipFill>
+        <p:spPr>
+          <a:xfrm>
+            <a:off x="6942765" y="4752489"/>
+            <a:ext cx="3162463" cy="990651"/>
+          </a:xfrm>
+          <a:prstGeom prst="rect">
+            <a:avLst/>
+          </a:prstGeom>
+        </p:spPr>
+      </p:pic>
+    </p:spTree>
+    <p:extLst>
+      <p:ext uri="{BB962C8B-B14F-4D97-AF65-F5344CB8AC3E}">
+        <p14:creationId xmlns:p14="http://schemas.microsoft.com/office/powerpoint/2010/main" val="1306787509"/>
       </p:ext>
     </p:extLst>
   </p:cSld>
@@ -5554,7 +6168,7 @@
           <p:cNvPr id="2" name="그림 1">
             <a:extLst>
               <a:ext uri="{FF2B5EF4-FFF2-40B4-BE49-F238E27FC236}">
-                <a16:creationId xmlns:a16="http://schemas.microsoft.com/office/drawing/2014/main" id="{EA10E137-65A1-4193-BB63-D1D16130DDBD}"/>
+                <a16:creationId xmlns:a16="http://schemas.microsoft.com/office/drawing/2014/main" id="{0A11B656-5DAD-43ED-9CDA-189828A2E55E}"/>
               </a:ext>
             </a:extLst>
           </p:cNvPr>
@@ -5571,8 +6185,8 @@
         </p:blipFill>
         <p:spPr>
           <a:xfrm>
-            <a:off x="2026836" y="877825"/>
-            <a:ext cx="8138327" cy="5102350"/>
+            <a:off x="770062" y="1136610"/>
+            <a:ext cx="11063476" cy="4584780"/>
           </a:xfrm>
           <a:prstGeom prst="rect">
             <a:avLst/>
@@ -5582,7 +6196,7 @@
     </p:spTree>
     <p:extLst>
       <p:ext uri="{BB962C8B-B14F-4D97-AF65-F5344CB8AC3E}">
-        <p14:creationId xmlns:p14="http://schemas.microsoft.com/office/powerpoint/2010/main" val="2334532118"/>
+        <p14:creationId xmlns:p14="http://schemas.microsoft.com/office/powerpoint/2010/main" val="3545875197"/>
       </p:ext>
     </p:extLst>
   </p:cSld>
@@ -5611,6 +6225,66 @@
       </p:grpSpPr>
       <p:pic>
         <p:nvPicPr>
+          <p:cNvPr id="2" name="그림 1">
+            <a:extLst>
+              <a:ext uri="{FF2B5EF4-FFF2-40B4-BE49-F238E27FC236}">
+                <a16:creationId xmlns:a16="http://schemas.microsoft.com/office/drawing/2014/main" id="{EA10E137-65A1-4193-BB63-D1D16130DDBD}"/>
+              </a:ext>
+            </a:extLst>
+          </p:cNvPr>
+          <p:cNvPicPr>
+            <a:picLocks noChangeAspect="1"/>
+          </p:cNvPicPr>
+          <p:nvPr/>
+        </p:nvPicPr>
+        <p:blipFill>
+          <a:blip r:embed="rId2"/>
+          <a:stretch>
+            <a:fillRect/>
+          </a:stretch>
+        </p:blipFill>
+        <p:spPr>
+          <a:xfrm>
+            <a:off x="2026836" y="877825"/>
+            <a:ext cx="8138327" cy="5102350"/>
+          </a:xfrm>
+          <a:prstGeom prst="rect">
+            <a:avLst/>
+          </a:prstGeom>
+        </p:spPr>
+      </p:pic>
+    </p:spTree>
+    <p:extLst>
+      <p:ext uri="{BB962C8B-B14F-4D97-AF65-F5344CB8AC3E}">
+        <p14:creationId xmlns:p14="http://schemas.microsoft.com/office/powerpoint/2010/main" val="2334532118"/>
+      </p:ext>
+    </p:extLst>
+  </p:cSld>
+  <p:clrMapOvr>
+    <a:masterClrMapping/>
+  </p:clrMapOvr>
+</p:sld>
+</file>
+
+<file path=ppt/slides/slide5.xml><?xml version="1.0" encoding="utf-8"?>
+<p:sld xmlns:a="http://schemas.openxmlformats.org/drawingml/2006/main" xmlns:r="http://schemas.openxmlformats.org/officeDocument/2006/relationships" xmlns:p="http://schemas.openxmlformats.org/presentationml/2006/main">
+  <p:cSld>
+    <p:spTree>
+      <p:nvGrpSpPr>
+        <p:cNvPr id="1" name=""/>
+        <p:cNvGrpSpPr/>
+        <p:nvPr/>
+      </p:nvGrpSpPr>
+      <p:grpSpPr>
+        <a:xfrm>
+          <a:off x="0" y="0"/>
+          <a:ext cx="0" cy="0"/>
+          <a:chOff x="0" y="0"/>
+          <a:chExt cx="0" cy="0"/>
+        </a:xfrm>
+      </p:grpSpPr>
+      <p:pic>
+        <p:nvPicPr>
           <p:cNvPr id="3" name="그림 2">
             <a:extLst>
               <a:ext uri="{FF2B5EF4-FFF2-40B4-BE49-F238E27FC236}">
@@ -5652,7 +6326,7 @@
 </p:sld>
 </file>
 
-<file path=ppt/slides/slide5.xml><?xml version="1.0" encoding="utf-8"?>
+<file path=ppt/slides/slide6.xml><?xml version="1.0" encoding="utf-8"?>
 <p:sld xmlns:a="http://schemas.openxmlformats.org/drawingml/2006/main" xmlns:r="http://schemas.openxmlformats.org/officeDocument/2006/relationships" xmlns:p="http://schemas.openxmlformats.org/presentationml/2006/main">
   <p:cSld>
     <p:spTree>
@@ -5997,7 +6671,7 @@
 </p:sld>
 </file>
 
-<file path=ppt/slides/slide6.xml><?xml version="1.0" encoding="utf-8"?>
+<file path=ppt/slides/slide7.xml><?xml version="1.0" encoding="utf-8"?>
 <p:sld xmlns:a="http://schemas.openxmlformats.org/drawingml/2006/main" xmlns:r="http://schemas.openxmlformats.org/officeDocument/2006/relationships" xmlns:p="http://schemas.openxmlformats.org/presentationml/2006/main">
   <p:cSld>
     <p:spTree>
@@ -6321,572 +6995,6 @@
     <p:extLst>
       <p:ext uri="{BB962C8B-B14F-4D97-AF65-F5344CB8AC3E}">
         <p14:creationId xmlns:p14="http://schemas.microsoft.com/office/powerpoint/2010/main" val="625649030"/>
-      </p:ext>
-    </p:extLst>
-  </p:cSld>
-  <p:clrMapOvr>
-    <a:masterClrMapping/>
-  </p:clrMapOvr>
-</p:sld>
-</file>
-
-<file path=ppt/slides/slide7.xml><?xml version="1.0" encoding="utf-8"?>
-<p:sld xmlns:a="http://schemas.openxmlformats.org/drawingml/2006/main" xmlns:r="http://schemas.openxmlformats.org/officeDocument/2006/relationships" xmlns:p="http://schemas.openxmlformats.org/presentationml/2006/main">
-  <p:cSld>
-    <p:spTree>
-      <p:nvGrpSpPr>
-        <p:cNvPr id="1" name=""/>
-        <p:cNvGrpSpPr/>
-        <p:nvPr/>
-      </p:nvGrpSpPr>
-      <p:grpSpPr>
-        <a:xfrm>
-          <a:off x="0" y="0"/>
-          <a:ext cx="0" cy="0"/>
-          <a:chOff x="0" y="0"/>
-          <a:chExt cx="0" cy="0"/>
-        </a:xfrm>
-      </p:grpSpPr>
-      <p:sp>
-        <p:nvSpPr>
-          <p:cNvPr id="2" name="직사각형 1">
-            <a:extLst>
-              <a:ext uri="{FF2B5EF4-FFF2-40B4-BE49-F238E27FC236}">
-                <a16:creationId xmlns:a16="http://schemas.microsoft.com/office/drawing/2014/main" id="{43D2195B-2E1A-46C8-9DC7-B0DD9D291B61}"/>
-              </a:ext>
-            </a:extLst>
-          </p:cNvPr>
-          <p:cNvSpPr/>
-          <p:nvPr/>
-        </p:nvSpPr>
-        <p:spPr>
-          <a:xfrm>
-            <a:off x="874395" y="2979751"/>
-            <a:ext cx="2204720" cy="1661795"/>
-          </a:xfrm>
-          <a:prstGeom prst="rect">
-            <a:avLst/>
-          </a:prstGeom>
-          <a:noFill/>
-          <a:ln w="76200"/>
-        </p:spPr>
-        <p:style>
-          <a:lnRef idx="2">
-            <a:schemeClr val="accent1">
-              <a:shade val="50000"/>
-            </a:schemeClr>
-          </a:lnRef>
-          <a:fillRef idx="1">
-            <a:schemeClr val="accent1"/>
-          </a:fillRef>
-          <a:effectRef idx="0">
-            <a:schemeClr val="accent1"/>
-          </a:effectRef>
-          <a:fontRef idx="minor">
-            <a:schemeClr val="lt1"/>
-          </a:fontRef>
-        </p:style>
-        <p:txBody>
-          <a:bodyPr rtlCol="0" anchor="ctr"/>
-          <a:lstStyle/>
-          <a:p>
-            <a:pPr algn="ctr"/>
-            <a:endParaRPr lang="ko-KR" altLang="en-US"/>
-          </a:p>
-        </p:txBody>
-      </p:sp>
-      <p:pic>
-        <p:nvPicPr>
-          <p:cNvPr id="3" name="그림 2">
-            <a:extLst>
-              <a:ext uri="{FF2B5EF4-FFF2-40B4-BE49-F238E27FC236}">
-                <a16:creationId xmlns:a16="http://schemas.microsoft.com/office/drawing/2014/main" id="{40A6B91E-B87B-4719-B903-C7ECA2245C69}"/>
-              </a:ext>
-            </a:extLst>
-          </p:cNvPr>
-          <p:cNvPicPr>
-            <a:picLocks noChangeAspect="1"/>
-          </p:cNvPicPr>
-          <p:nvPr/>
-        </p:nvPicPr>
-        <p:blipFill>
-          <a:blip r:embed="rId2"/>
-          <a:stretch>
-            <a:fillRect/>
-          </a:stretch>
-        </p:blipFill>
-        <p:spPr>
-          <a:xfrm>
-            <a:off x="1169025" y="3346953"/>
-            <a:ext cx="1311920" cy="927390"/>
-          </a:xfrm>
-          <a:prstGeom prst="rect">
-            <a:avLst/>
-          </a:prstGeom>
-        </p:spPr>
-      </p:pic>
-      <p:sp>
-        <p:nvSpPr>
-          <p:cNvPr id="4" name="직사각형 3">
-            <a:extLst>
-              <a:ext uri="{FF2B5EF4-FFF2-40B4-BE49-F238E27FC236}">
-                <a16:creationId xmlns:a16="http://schemas.microsoft.com/office/drawing/2014/main" id="{9DC5A541-8FF8-4C76-B7E8-77852743D6EE}"/>
-              </a:ext>
-            </a:extLst>
-          </p:cNvPr>
-          <p:cNvSpPr/>
-          <p:nvPr/>
-        </p:nvSpPr>
-        <p:spPr>
-          <a:xfrm>
-            <a:off x="7550831" y="1308431"/>
-            <a:ext cx="3208020" cy="3806494"/>
-          </a:xfrm>
-          <a:prstGeom prst="rect">
-            <a:avLst/>
-          </a:prstGeom>
-          <a:noFill/>
-          <a:ln w="76200"/>
-        </p:spPr>
-        <p:style>
-          <a:lnRef idx="2">
-            <a:schemeClr val="accent1">
-              <a:shade val="50000"/>
-            </a:schemeClr>
-          </a:lnRef>
-          <a:fillRef idx="1">
-            <a:schemeClr val="accent1"/>
-          </a:fillRef>
-          <a:effectRef idx="0">
-            <a:schemeClr val="accent1"/>
-          </a:effectRef>
-          <a:fontRef idx="minor">
-            <a:schemeClr val="lt1"/>
-          </a:fontRef>
-        </p:style>
-        <p:txBody>
-          <a:bodyPr rtlCol="0" anchor="ctr"/>
-          <a:lstStyle/>
-          <a:p>
-            <a:pPr algn="ctr"/>
-            <a:endParaRPr lang="ko-KR" altLang="en-US"/>
-          </a:p>
-        </p:txBody>
-      </p:sp>
-      <p:pic>
-        <p:nvPicPr>
-          <p:cNvPr id="5" name="그림 4">
-            <a:extLst>
-              <a:ext uri="{FF2B5EF4-FFF2-40B4-BE49-F238E27FC236}">
-                <a16:creationId xmlns:a16="http://schemas.microsoft.com/office/drawing/2014/main" id="{B6A17987-2B99-409B-A6EA-705EF308872F}"/>
-              </a:ext>
-            </a:extLst>
-          </p:cNvPr>
-          <p:cNvPicPr>
-            <a:picLocks noChangeAspect="1"/>
-          </p:cNvPicPr>
-          <p:nvPr/>
-        </p:nvPicPr>
-        <p:blipFill>
-          <a:blip r:embed="rId3"/>
-          <a:stretch>
-            <a:fillRect/>
-          </a:stretch>
-        </p:blipFill>
-        <p:spPr>
-          <a:xfrm>
-            <a:off x="7762967" y="1864257"/>
-            <a:ext cx="2783748" cy="605163"/>
-          </a:xfrm>
-          <a:prstGeom prst="rect">
-            <a:avLst/>
-          </a:prstGeom>
-        </p:spPr>
-      </p:pic>
-      <p:sp>
-        <p:nvSpPr>
-          <p:cNvPr id="7" name="TextBox 6">
-            <a:extLst>
-              <a:ext uri="{FF2B5EF4-FFF2-40B4-BE49-F238E27FC236}">
-                <a16:creationId xmlns:a16="http://schemas.microsoft.com/office/drawing/2014/main" id="{BA655BC2-FD15-4B55-897E-604014DA67ED}"/>
-              </a:ext>
-            </a:extLst>
-          </p:cNvPr>
-          <p:cNvSpPr txBox="1"/>
-          <p:nvPr/>
-        </p:nvSpPr>
-        <p:spPr>
-          <a:xfrm>
-            <a:off x="874394" y="2478945"/>
-            <a:ext cx="1773555" cy="461665"/>
-          </a:xfrm>
-          <a:prstGeom prst="rect">
-            <a:avLst/>
-          </a:prstGeom>
-          <a:noFill/>
-        </p:spPr>
-        <p:txBody>
-          <a:bodyPr wrap="square" rtlCol="0">
-            <a:spAutoFit/>
-          </a:bodyPr>
-          <a:lstStyle/>
-          <a:p>
-            <a:r>
-              <a:rPr lang="en-US" altLang="ko-KR" sz="2400" dirty="0"/>
-              <a:t>Stack area</a:t>
-            </a:r>
-            <a:endParaRPr lang="ko-KR" altLang="en-US" sz="2400" dirty="0"/>
-          </a:p>
-        </p:txBody>
-      </p:sp>
-      <p:sp>
-        <p:nvSpPr>
-          <p:cNvPr id="8" name="TextBox 7">
-            <a:extLst>
-              <a:ext uri="{FF2B5EF4-FFF2-40B4-BE49-F238E27FC236}">
-                <a16:creationId xmlns:a16="http://schemas.microsoft.com/office/drawing/2014/main" id="{E9EC79EE-B7D6-4201-B4B7-BDB55C3B0971}"/>
-              </a:ext>
-            </a:extLst>
-          </p:cNvPr>
-          <p:cNvSpPr txBox="1"/>
-          <p:nvPr/>
-        </p:nvSpPr>
-        <p:spPr>
-          <a:xfrm>
-            <a:off x="7713488" y="756562"/>
-            <a:ext cx="1616596" cy="461665"/>
-          </a:xfrm>
-          <a:prstGeom prst="rect">
-            <a:avLst/>
-          </a:prstGeom>
-          <a:noFill/>
-        </p:spPr>
-        <p:txBody>
-          <a:bodyPr wrap="none" rtlCol="0">
-            <a:spAutoFit/>
-          </a:bodyPr>
-          <a:lstStyle/>
-          <a:p>
-            <a:r>
-              <a:rPr lang="en-US" altLang="ko-KR" sz="2400" dirty="0"/>
-              <a:t>Heap area</a:t>
-            </a:r>
-            <a:endParaRPr lang="ko-KR" altLang="en-US" sz="2400" dirty="0"/>
-          </a:p>
-        </p:txBody>
-      </p:sp>
-      <p:pic>
-        <p:nvPicPr>
-          <p:cNvPr id="9" name="그림 8">
-            <a:extLst>
-              <a:ext uri="{FF2B5EF4-FFF2-40B4-BE49-F238E27FC236}">
-                <a16:creationId xmlns:a16="http://schemas.microsoft.com/office/drawing/2014/main" id="{4CAE26DA-66C3-4CEE-B811-758B5D17DC18}"/>
-              </a:ext>
-            </a:extLst>
-          </p:cNvPr>
-          <p:cNvPicPr>
-            <a:picLocks noChangeAspect="1"/>
-          </p:cNvPicPr>
-          <p:nvPr/>
-        </p:nvPicPr>
-        <p:blipFill>
-          <a:blip r:embed="rId3"/>
-          <a:stretch>
-            <a:fillRect/>
-          </a:stretch>
-        </p:blipFill>
-        <p:spPr>
-          <a:xfrm>
-            <a:off x="7713488" y="3971761"/>
-            <a:ext cx="2783748" cy="605163"/>
-          </a:xfrm>
-          <a:prstGeom prst="rect">
-            <a:avLst/>
-          </a:prstGeom>
-        </p:spPr>
-      </p:pic>
-      <p:cxnSp>
-        <p:nvCxnSpPr>
-          <p:cNvPr id="11" name="직선 연결선 10">
-            <a:extLst>
-              <a:ext uri="{FF2B5EF4-FFF2-40B4-BE49-F238E27FC236}">
-                <a16:creationId xmlns:a16="http://schemas.microsoft.com/office/drawing/2014/main" id="{9C066F78-08D8-4006-88F3-F06B1A5D1020}"/>
-              </a:ext>
-            </a:extLst>
-          </p:cNvPr>
-          <p:cNvCxnSpPr>
-            <a:stCxn id="4" idx="1"/>
-            <a:endCxn id="4" idx="3"/>
-          </p:cNvCxnSpPr>
-          <p:nvPr/>
-        </p:nvCxnSpPr>
-        <p:spPr>
-          <a:xfrm>
-            <a:off x="7550831" y="3211678"/>
-            <a:ext cx="3208020" cy="0"/>
-          </a:xfrm>
-          <a:prstGeom prst="line">
-            <a:avLst/>
-          </a:prstGeom>
-          <a:ln w="76200"/>
-        </p:spPr>
-        <p:style>
-          <a:lnRef idx="1">
-            <a:schemeClr val="accent1"/>
-          </a:lnRef>
-          <a:fillRef idx="0">
-            <a:schemeClr val="accent1"/>
-          </a:fillRef>
-          <a:effectRef idx="0">
-            <a:schemeClr val="accent1"/>
-          </a:effectRef>
-          <a:fontRef idx="minor">
-            <a:schemeClr val="tx1"/>
-          </a:fontRef>
-        </p:style>
-      </p:cxnSp>
-      <p:cxnSp>
-        <p:nvCxnSpPr>
-          <p:cNvPr id="13" name="연결선: 꺾임 12">
-            <a:extLst>
-              <a:ext uri="{FF2B5EF4-FFF2-40B4-BE49-F238E27FC236}">
-                <a16:creationId xmlns:a16="http://schemas.microsoft.com/office/drawing/2014/main" id="{157AD6E3-EE2E-4B21-A7CE-19D6C86D773E}"/>
-              </a:ext>
-            </a:extLst>
-          </p:cNvPr>
-          <p:cNvCxnSpPr>
-            <a:cxnSpLocks/>
-            <a:stCxn id="3" idx="3"/>
-          </p:cNvCxnSpPr>
-          <p:nvPr/>
-        </p:nvCxnSpPr>
-        <p:spPr>
-          <a:xfrm flipV="1">
-            <a:off x="2480945" y="2166838"/>
-            <a:ext cx="4970928" cy="1643810"/>
-          </a:xfrm>
-          <a:prstGeom prst="bentConnector3">
-            <a:avLst>
-              <a:gd name="adj1" fmla="val 50000"/>
-            </a:avLst>
-          </a:prstGeom>
-          <a:ln w="76200">
-            <a:tailEnd type="triangle"/>
-          </a:ln>
-        </p:spPr>
-        <p:style>
-          <a:lnRef idx="1">
-            <a:schemeClr val="accent1"/>
-          </a:lnRef>
-          <a:fillRef idx="0">
-            <a:schemeClr val="accent1"/>
-          </a:fillRef>
-          <a:effectRef idx="0">
-            <a:schemeClr val="accent1"/>
-          </a:effectRef>
-          <a:fontRef idx="minor">
-            <a:schemeClr val="tx1"/>
-          </a:fontRef>
-        </p:style>
-      </p:cxnSp>
-      <p:sp>
-        <p:nvSpPr>
-          <p:cNvPr id="16" name="TextBox 15">
-            <a:extLst>
-              <a:ext uri="{FF2B5EF4-FFF2-40B4-BE49-F238E27FC236}">
-                <a16:creationId xmlns:a16="http://schemas.microsoft.com/office/drawing/2014/main" id="{B8D1E42B-7074-4D5A-A0C0-D056EAA3B8EE}"/>
-              </a:ext>
-            </a:extLst>
-          </p:cNvPr>
-          <p:cNvSpPr txBox="1"/>
-          <p:nvPr/>
-        </p:nvSpPr>
-        <p:spPr>
-          <a:xfrm>
-            <a:off x="7620092" y="1401678"/>
-            <a:ext cx="691215" cy="369332"/>
-          </a:xfrm>
-          <a:prstGeom prst="rect">
-            <a:avLst/>
-          </a:prstGeom>
-          <a:noFill/>
-        </p:spPr>
-        <p:txBody>
-          <a:bodyPr wrap="none" rtlCol="0">
-            <a:spAutoFit/>
-          </a:bodyPr>
-          <a:lstStyle/>
-          <a:p>
-            <a:r>
-              <a:rPr lang="en-US" altLang="ko-KR" dirty="0"/>
-              <a:t>1001</a:t>
-            </a:r>
-            <a:endParaRPr lang="ko-KR" altLang="en-US" dirty="0"/>
-          </a:p>
-        </p:txBody>
-      </p:sp>
-      <p:sp>
-        <p:nvSpPr>
-          <p:cNvPr id="17" name="TextBox 16">
-            <a:extLst>
-              <a:ext uri="{FF2B5EF4-FFF2-40B4-BE49-F238E27FC236}">
-                <a16:creationId xmlns:a16="http://schemas.microsoft.com/office/drawing/2014/main" id="{0589CE18-5E55-4C78-B95C-F246856D1D95}"/>
-              </a:ext>
-            </a:extLst>
-          </p:cNvPr>
-          <p:cNvSpPr txBox="1"/>
-          <p:nvPr/>
-        </p:nvSpPr>
-        <p:spPr>
-          <a:xfrm>
-            <a:off x="7550831" y="3274320"/>
-            <a:ext cx="691215" cy="369332"/>
-          </a:xfrm>
-          <a:prstGeom prst="rect">
-            <a:avLst/>
-          </a:prstGeom>
-          <a:noFill/>
-        </p:spPr>
-        <p:txBody>
-          <a:bodyPr wrap="none" rtlCol="0">
-            <a:spAutoFit/>
-          </a:bodyPr>
-          <a:lstStyle/>
-          <a:p>
-            <a:r>
-              <a:rPr lang="en-US" altLang="ko-KR" dirty="0"/>
-              <a:t>1002</a:t>
-            </a:r>
-            <a:endParaRPr lang="ko-KR" altLang="en-US" dirty="0"/>
-          </a:p>
-        </p:txBody>
-      </p:sp>
-      <p:cxnSp>
-        <p:nvCxnSpPr>
-          <p:cNvPr id="19" name="연결선: 꺾임 18">
-            <a:extLst>
-              <a:ext uri="{FF2B5EF4-FFF2-40B4-BE49-F238E27FC236}">
-                <a16:creationId xmlns:a16="http://schemas.microsoft.com/office/drawing/2014/main" id="{DE0743B1-53FD-43CB-A98A-75A7CDBFB0E6}"/>
-              </a:ext>
-            </a:extLst>
-          </p:cNvPr>
-          <p:cNvCxnSpPr>
-            <a:cxnSpLocks/>
-          </p:cNvCxnSpPr>
-          <p:nvPr/>
-        </p:nvCxnSpPr>
-        <p:spPr>
-          <a:xfrm>
-            <a:off x="2480945" y="3971761"/>
-            <a:ext cx="4970928" cy="396187"/>
-          </a:xfrm>
-          <a:prstGeom prst="bentConnector3">
-            <a:avLst>
-              <a:gd name="adj1" fmla="val 50000"/>
-            </a:avLst>
-          </a:prstGeom>
-          <a:ln w="76200">
-            <a:tailEnd type="triangle"/>
-          </a:ln>
-        </p:spPr>
-        <p:style>
-          <a:lnRef idx="1">
-            <a:schemeClr val="accent1"/>
-          </a:lnRef>
-          <a:fillRef idx="0">
-            <a:schemeClr val="accent1"/>
-          </a:fillRef>
-          <a:effectRef idx="0">
-            <a:schemeClr val="accent1"/>
-          </a:effectRef>
-          <a:fontRef idx="minor">
-            <a:schemeClr val="tx1"/>
-          </a:fontRef>
-        </p:style>
-      </p:cxnSp>
-      <p:sp>
-        <p:nvSpPr>
-          <p:cNvPr id="22" name="곱하기 기호 21">
-            <a:extLst>
-              <a:ext uri="{FF2B5EF4-FFF2-40B4-BE49-F238E27FC236}">
-                <a16:creationId xmlns:a16="http://schemas.microsoft.com/office/drawing/2014/main" id="{7CADA9E2-EF6B-4F11-B29B-6CD6215962B7}"/>
-              </a:ext>
-            </a:extLst>
-          </p:cNvPr>
-          <p:cNvSpPr/>
-          <p:nvPr/>
-        </p:nvSpPr>
-        <p:spPr>
-          <a:xfrm>
-            <a:off x="4547309" y="2428062"/>
-            <a:ext cx="838200" cy="783616"/>
-          </a:xfrm>
-          <a:prstGeom prst="mathMultiply">
-            <a:avLst/>
-          </a:prstGeom>
-          <a:solidFill>
-            <a:srgbClr val="C00000"/>
-          </a:solidFill>
-        </p:spPr>
-        <p:style>
-          <a:lnRef idx="2">
-            <a:schemeClr val="accent1">
-              <a:shade val="50000"/>
-            </a:schemeClr>
-          </a:lnRef>
-          <a:fillRef idx="1">
-            <a:schemeClr val="accent1"/>
-          </a:fillRef>
-          <a:effectRef idx="0">
-            <a:schemeClr val="accent1"/>
-          </a:effectRef>
-          <a:fontRef idx="minor">
-            <a:schemeClr val="lt1"/>
-          </a:fontRef>
-        </p:style>
-        <p:txBody>
-          <a:bodyPr rtlCol="0" anchor="ctr"/>
-          <a:lstStyle/>
-          <a:p>
-            <a:pPr algn="ctr"/>
-            <a:endParaRPr lang="ko-KR" altLang="en-US"/>
-          </a:p>
-        </p:txBody>
-      </p:sp>
-      <p:pic>
-        <p:nvPicPr>
-          <p:cNvPr id="23" name="그림 22">
-            <a:extLst>
-              <a:ext uri="{FF2B5EF4-FFF2-40B4-BE49-F238E27FC236}">
-                <a16:creationId xmlns:a16="http://schemas.microsoft.com/office/drawing/2014/main" id="{0A83CD3F-1DD1-46C5-B8B5-4F2B12D1FEFD}"/>
-              </a:ext>
-            </a:extLst>
-          </p:cNvPr>
-          <p:cNvPicPr>
-            <a:picLocks noChangeAspect="1"/>
-          </p:cNvPicPr>
-          <p:nvPr/>
-        </p:nvPicPr>
-        <p:blipFill>
-          <a:blip r:embed="rId4"/>
-          <a:stretch>
-            <a:fillRect/>
-          </a:stretch>
-        </p:blipFill>
-        <p:spPr>
-          <a:xfrm>
-            <a:off x="540315" y="583392"/>
-            <a:ext cx="5525707" cy="808004"/>
-          </a:xfrm>
-          <a:prstGeom prst="rect">
-            <a:avLst/>
-          </a:prstGeom>
-        </p:spPr>
-      </p:pic>
-    </p:spTree>
-    <p:extLst>
-      <p:ext uri="{BB962C8B-B14F-4D97-AF65-F5344CB8AC3E}">
-        <p14:creationId xmlns:p14="http://schemas.microsoft.com/office/powerpoint/2010/main" val="935683855"/>
       </p:ext>
     </p:extLst>
   </p:cSld>
@@ -6913,12 +7021,60 @@
           <a:chExt cx="0" cy="0"/>
         </a:xfrm>
       </p:grpSpPr>
+      <p:sp>
+        <p:nvSpPr>
+          <p:cNvPr id="2" name="직사각형 1">
+            <a:extLst>
+              <a:ext uri="{FF2B5EF4-FFF2-40B4-BE49-F238E27FC236}">
+                <a16:creationId xmlns:a16="http://schemas.microsoft.com/office/drawing/2014/main" id="{43D2195B-2E1A-46C8-9DC7-B0DD9D291B61}"/>
+              </a:ext>
+            </a:extLst>
+          </p:cNvPr>
+          <p:cNvSpPr/>
+          <p:nvPr/>
+        </p:nvSpPr>
+        <p:spPr>
+          <a:xfrm>
+            <a:off x="874395" y="2979751"/>
+            <a:ext cx="2204720" cy="1661795"/>
+          </a:xfrm>
+          <a:prstGeom prst="rect">
+            <a:avLst/>
+          </a:prstGeom>
+          <a:noFill/>
+          <a:ln w="76200"/>
+        </p:spPr>
+        <p:style>
+          <a:lnRef idx="2">
+            <a:schemeClr val="accent1">
+              <a:shade val="50000"/>
+            </a:schemeClr>
+          </a:lnRef>
+          <a:fillRef idx="1">
+            <a:schemeClr val="accent1"/>
+          </a:fillRef>
+          <a:effectRef idx="0">
+            <a:schemeClr val="accent1"/>
+          </a:effectRef>
+          <a:fontRef idx="minor">
+            <a:schemeClr val="lt1"/>
+          </a:fontRef>
+        </p:style>
+        <p:txBody>
+          <a:bodyPr rtlCol="0" anchor="ctr"/>
+          <a:lstStyle/>
+          <a:p>
+            <a:pPr algn="ctr"/>
+            <a:endParaRPr lang="ko-KR" altLang="en-US"/>
+          </a:p>
+        </p:txBody>
+      </p:sp>
       <p:pic>
         <p:nvPicPr>
-          <p:cNvPr id="2" name="그림 1">
-            <a:extLst>
-              <a:ext uri="{FF2B5EF4-FFF2-40B4-BE49-F238E27FC236}">
-                <a16:creationId xmlns:a16="http://schemas.microsoft.com/office/drawing/2014/main" id="{B0C1C61A-1088-47D9-98F6-2F5B21F1F619}"/>
+          <p:cNvPr id="3" name="그림 2">
+            <a:extLst>
+              <a:ext uri="{FF2B5EF4-FFF2-40B4-BE49-F238E27FC236}">
+                <a16:creationId xmlns:a16="http://schemas.microsoft.com/office/drawing/2014/main" id="{40A6B91E-B87B-4719-B903-C7ECA2245C69}"/>
               </a:ext>
             </a:extLst>
           </p:cNvPr>
@@ -6935,20 +7091,68 @@
         </p:blipFill>
         <p:spPr>
           <a:xfrm>
-            <a:off x="2336733" y="1064567"/>
-            <a:ext cx="5573250" cy="2263467"/>
+            <a:off x="1169025" y="3346953"/>
+            <a:ext cx="1311920" cy="927390"/>
           </a:xfrm>
           <a:prstGeom prst="rect">
             <a:avLst/>
           </a:prstGeom>
         </p:spPr>
       </p:pic>
+      <p:sp>
+        <p:nvSpPr>
+          <p:cNvPr id="4" name="직사각형 3">
+            <a:extLst>
+              <a:ext uri="{FF2B5EF4-FFF2-40B4-BE49-F238E27FC236}">
+                <a16:creationId xmlns:a16="http://schemas.microsoft.com/office/drawing/2014/main" id="{9DC5A541-8FF8-4C76-B7E8-77852743D6EE}"/>
+              </a:ext>
+            </a:extLst>
+          </p:cNvPr>
+          <p:cNvSpPr/>
+          <p:nvPr/>
+        </p:nvSpPr>
+        <p:spPr>
+          <a:xfrm>
+            <a:off x="7550831" y="1308431"/>
+            <a:ext cx="3208020" cy="3806494"/>
+          </a:xfrm>
+          <a:prstGeom prst="rect">
+            <a:avLst/>
+          </a:prstGeom>
+          <a:noFill/>
+          <a:ln w="76200"/>
+        </p:spPr>
+        <p:style>
+          <a:lnRef idx="2">
+            <a:schemeClr val="accent1">
+              <a:shade val="50000"/>
+            </a:schemeClr>
+          </a:lnRef>
+          <a:fillRef idx="1">
+            <a:schemeClr val="accent1"/>
+          </a:fillRef>
+          <a:effectRef idx="0">
+            <a:schemeClr val="accent1"/>
+          </a:effectRef>
+          <a:fontRef idx="minor">
+            <a:schemeClr val="lt1"/>
+          </a:fontRef>
+        </p:style>
+        <p:txBody>
+          <a:bodyPr rtlCol="0" anchor="ctr"/>
+          <a:lstStyle/>
+          <a:p>
+            <a:pPr algn="ctr"/>
+            <a:endParaRPr lang="ko-KR" altLang="en-US"/>
+          </a:p>
+        </p:txBody>
+      </p:sp>
       <p:pic>
         <p:nvPicPr>
-          <p:cNvPr id="3" name="그림 2">
-            <a:extLst>
-              <a:ext uri="{FF2B5EF4-FFF2-40B4-BE49-F238E27FC236}">
-                <a16:creationId xmlns:a16="http://schemas.microsoft.com/office/drawing/2014/main" id="{8687B21A-78F7-46D6-9848-C6E8B2785044}"/>
+          <p:cNvPr id="5" name="그림 4">
+            <a:extLst>
+              <a:ext uri="{FF2B5EF4-FFF2-40B4-BE49-F238E27FC236}">
+                <a16:creationId xmlns:a16="http://schemas.microsoft.com/office/drawing/2014/main" id="{B6A17987-2B99-409B-A6EA-705EF308872F}"/>
               </a:ext>
             </a:extLst>
           </p:cNvPr>
@@ -6965,8 +7169,388 @@
         </p:blipFill>
         <p:spPr>
           <a:xfrm>
-            <a:off x="2336733" y="3328034"/>
-            <a:ext cx="8050863" cy="1701165"/>
+            <a:off x="7762967" y="1864257"/>
+            <a:ext cx="2783748" cy="605163"/>
+          </a:xfrm>
+          <a:prstGeom prst="rect">
+            <a:avLst/>
+          </a:prstGeom>
+        </p:spPr>
+      </p:pic>
+      <p:sp>
+        <p:nvSpPr>
+          <p:cNvPr id="7" name="TextBox 6">
+            <a:extLst>
+              <a:ext uri="{FF2B5EF4-FFF2-40B4-BE49-F238E27FC236}">
+                <a16:creationId xmlns:a16="http://schemas.microsoft.com/office/drawing/2014/main" id="{BA655BC2-FD15-4B55-897E-604014DA67ED}"/>
+              </a:ext>
+            </a:extLst>
+          </p:cNvPr>
+          <p:cNvSpPr txBox="1"/>
+          <p:nvPr/>
+        </p:nvSpPr>
+        <p:spPr>
+          <a:xfrm>
+            <a:off x="874394" y="2478945"/>
+            <a:ext cx="1773555" cy="461665"/>
+          </a:xfrm>
+          <a:prstGeom prst="rect">
+            <a:avLst/>
+          </a:prstGeom>
+          <a:noFill/>
+        </p:spPr>
+        <p:txBody>
+          <a:bodyPr wrap="square" rtlCol="0">
+            <a:spAutoFit/>
+          </a:bodyPr>
+          <a:lstStyle/>
+          <a:p>
+            <a:r>
+              <a:rPr lang="en-US" altLang="ko-KR" sz="2400" dirty="0"/>
+              <a:t>Stack area</a:t>
+            </a:r>
+            <a:endParaRPr lang="ko-KR" altLang="en-US" sz="2400" dirty="0"/>
+          </a:p>
+        </p:txBody>
+      </p:sp>
+      <p:sp>
+        <p:nvSpPr>
+          <p:cNvPr id="8" name="TextBox 7">
+            <a:extLst>
+              <a:ext uri="{FF2B5EF4-FFF2-40B4-BE49-F238E27FC236}">
+                <a16:creationId xmlns:a16="http://schemas.microsoft.com/office/drawing/2014/main" id="{E9EC79EE-B7D6-4201-B4B7-BDB55C3B0971}"/>
+              </a:ext>
+            </a:extLst>
+          </p:cNvPr>
+          <p:cNvSpPr txBox="1"/>
+          <p:nvPr/>
+        </p:nvSpPr>
+        <p:spPr>
+          <a:xfrm>
+            <a:off x="7713488" y="756562"/>
+            <a:ext cx="1616596" cy="461665"/>
+          </a:xfrm>
+          <a:prstGeom prst="rect">
+            <a:avLst/>
+          </a:prstGeom>
+          <a:noFill/>
+        </p:spPr>
+        <p:txBody>
+          <a:bodyPr wrap="none" rtlCol="0">
+            <a:spAutoFit/>
+          </a:bodyPr>
+          <a:lstStyle/>
+          <a:p>
+            <a:r>
+              <a:rPr lang="en-US" altLang="ko-KR" sz="2400" dirty="0"/>
+              <a:t>Heap area</a:t>
+            </a:r>
+            <a:endParaRPr lang="ko-KR" altLang="en-US" sz="2400" dirty="0"/>
+          </a:p>
+        </p:txBody>
+      </p:sp>
+      <p:pic>
+        <p:nvPicPr>
+          <p:cNvPr id="9" name="그림 8">
+            <a:extLst>
+              <a:ext uri="{FF2B5EF4-FFF2-40B4-BE49-F238E27FC236}">
+                <a16:creationId xmlns:a16="http://schemas.microsoft.com/office/drawing/2014/main" id="{4CAE26DA-66C3-4CEE-B811-758B5D17DC18}"/>
+              </a:ext>
+            </a:extLst>
+          </p:cNvPr>
+          <p:cNvPicPr>
+            <a:picLocks noChangeAspect="1"/>
+          </p:cNvPicPr>
+          <p:nvPr/>
+        </p:nvPicPr>
+        <p:blipFill>
+          <a:blip r:embed="rId3"/>
+          <a:stretch>
+            <a:fillRect/>
+          </a:stretch>
+        </p:blipFill>
+        <p:spPr>
+          <a:xfrm>
+            <a:off x="7713488" y="3971761"/>
+            <a:ext cx="2783748" cy="605163"/>
+          </a:xfrm>
+          <a:prstGeom prst="rect">
+            <a:avLst/>
+          </a:prstGeom>
+        </p:spPr>
+      </p:pic>
+      <p:cxnSp>
+        <p:nvCxnSpPr>
+          <p:cNvPr id="11" name="직선 연결선 10">
+            <a:extLst>
+              <a:ext uri="{FF2B5EF4-FFF2-40B4-BE49-F238E27FC236}">
+                <a16:creationId xmlns:a16="http://schemas.microsoft.com/office/drawing/2014/main" id="{9C066F78-08D8-4006-88F3-F06B1A5D1020}"/>
+              </a:ext>
+            </a:extLst>
+          </p:cNvPr>
+          <p:cNvCxnSpPr>
+            <a:stCxn id="4" idx="1"/>
+            <a:endCxn id="4" idx="3"/>
+          </p:cNvCxnSpPr>
+          <p:nvPr/>
+        </p:nvCxnSpPr>
+        <p:spPr>
+          <a:xfrm>
+            <a:off x="7550831" y="3211678"/>
+            <a:ext cx="3208020" cy="0"/>
+          </a:xfrm>
+          <a:prstGeom prst="line">
+            <a:avLst/>
+          </a:prstGeom>
+          <a:ln w="76200"/>
+        </p:spPr>
+        <p:style>
+          <a:lnRef idx="1">
+            <a:schemeClr val="accent1"/>
+          </a:lnRef>
+          <a:fillRef idx="0">
+            <a:schemeClr val="accent1"/>
+          </a:fillRef>
+          <a:effectRef idx="0">
+            <a:schemeClr val="accent1"/>
+          </a:effectRef>
+          <a:fontRef idx="minor">
+            <a:schemeClr val="tx1"/>
+          </a:fontRef>
+        </p:style>
+      </p:cxnSp>
+      <p:cxnSp>
+        <p:nvCxnSpPr>
+          <p:cNvPr id="13" name="연결선: 꺾임 12">
+            <a:extLst>
+              <a:ext uri="{FF2B5EF4-FFF2-40B4-BE49-F238E27FC236}">
+                <a16:creationId xmlns:a16="http://schemas.microsoft.com/office/drawing/2014/main" id="{157AD6E3-EE2E-4B21-A7CE-19D6C86D773E}"/>
+              </a:ext>
+            </a:extLst>
+          </p:cNvPr>
+          <p:cNvCxnSpPr>
+            <a:cxnSpLocks/>
+            <a:stCxn id="3" idx="3"/>
+          </p:cNvCxnSpPr>
+          <p:nvPr/>
+        </p:nvCxnSpPr>
+        <p:spPr>
+          <a:xfrm flipV="1">
+            <a:off x="2480945" y="2166838"/>
+            <a:ext cx="4970928" cy="1643810"/>
+          </a:xfrm>
+          <a:prstGeom prst="bentConnector3">
+            <a:avLst>
+              <a:gd name="adj1" fmla="val 50000"/>
+            </a:avLst>
+          </a:prstGeom>
+          <a:ln w="76200">
+            <a:tailEnd type="triangle"/>
+          </a:ln>
+        </p:spPr>
+        <p:style>
+          <a:lnRef idx="1">
+            <a:schemeClr val="accent1"/>
+          </a:lnRef>
+          <a:fillRef idx="0">
+            <a:schemeClr val="accent1"/>
+          </a:fillRef>
+          <a:effectRef idx="0">
+            <a:schemeClr val="accent1"/>
+          </a:effectRef>
+          <a:fontRef idx="minor">
+            <a:schemeClr val="tx1"/>
+          </a:fontRef>
+        </p:style>
+      </p:cxnSp>
+      <p:sp>
+        <p:nvSpPr>
+          <p:cNvPr id="16" name="TextBox 15">
+            <a:extLst>
+              <a:ext uri="{FF2B5EF4-FFF2-40B4-BE49-F238E27FC236}">
+                <a16:creationId xmlns:a16="http://schemas.microsoft.com/office/drawing/2014/main" id="{B8D1E42B-7074-4D5A-A0C0-D056EAA3B8EE}"/>
+              </a:ext>
+            </a:extLst>
+          </p:cNvPr>
+          <p:cNvSpPr txBox="1"/>
+          <p:nvPr/>
+        </p:nvSpPr>
+        <p:spPr>
+          <a:xfrm>
+            <a:off x="7620092" y="1401678"/>
+            <a:ext cx="691215" cy="369332"/>
+          </a:xfrm>
+          <a:prstGeom prst="rect">
+            <a:avLst/>
+          </a:prstGeom>
+          <a:noFill/>
+        </p:spPr>
+        <p:txBody>
+          <a:bodyPr wrap="none" rtlCol="0">
+            <a:spAutoFit/>
+          </a:bodyPr>
+          <a:lstStyle/>
+          <a:p>
+            <a:r>
+              <a:rPr lang="en-US" altLang="ko-KR" dirty="0"/>
+              <a:t>1001</a:t>
+            </a:r>
+            <a:endParaRPr lang="ko-KR" altLang="en-US" dirty="0"/>
+          </a:p>
+        </p:txBody>
+      </p:sp>
+      <p:sp>
+        <p:nvSpPr>
+          <p:cNvPr id="17" name="TextBox 16">
+            <a:extLst>
+              <a:ext uri="{FF2B5EF4-FFF2-40B4-BE49-F238E27FC236}">
+                <a16:creationId xmlns:a16="http://schemas.microsoft.com/office/drawing/2014/main" id="{0589CE18-5E55-4C78-B95C-F246856D1D95}"/>
+              </a:ext>
+            </a:extLst>
+          </p:cNvPr>
+          <p:cNvSpPr txBox="1"/>
+          <p:nvPr/>
+        </p:nvSpPr>
+        <p:spPr>
+          <a:xfrm>
+            <a:off x="7550831" y="3274320"/>
+            <a:ext cx="691215" cy="369332"/>
+          </a:xfrm>
+          <a:prstGeom prst="rect">
+            <a:avLst/>
+          </a:prstGeom>
+          <a:noFill/>
+        </p:spPr>
+        <p:txBody>
+          <a:bodyPr wrap="none" rtlCol="0">
+            <a:spAutoFit/>
+          </a:bodyPr>
+          <a:lstStyle/>
+          <a:p>
+            <a:r>
+              <a:rPr lang="en-US" altLang="ko-KR" dirty="0"/>
+              <a:t>1002</a:t>
+            </a:r>
+            <a:endParaRPr lang="ko-KR" altLang="en-US" dirty="0"/>
+          </a:p>
+        </p:txBody>
+      </p:sp>
+      <p:cxnSp>
+        <p:nvCxnSpPr>
+          <p:cNvPr id="19" name="연결선: 꺾임 18">
+            <a:extLst>
+              <a:ext uri="{FF2B5EF4-FFF2-40B4-BE49-F238E27FC236}">
+                <a16:creationId xmlns:a16="http://schemas.microsoft.com/office/drawing/2014/main" id="{DE0743B1-53FD-43CB-A98A-75A7CDBFB0E6}"/>
+              </a:ext>
+            </a:extLst>
+          </p:cNvPr>
+          <p:cNvCxnSpPr>
+            <a:cxnSpLocks/>
+          </p:cNvCxnSpPr>
+          <p:nvPr/>
+        </p:nvCxnSpPr>
+        <p:spPr>
+          <a:xfrm>
+            <a:off x="2480945" y="3971761"/>
+            <a:ext cx="4970928" cy="396187"/>
+          </a:xfrm>
+          <a:prstGeom prst="bentConnector3">
+            <a:avLst>
+              <a:gd name="adj1" fmla="val 50000"/>
+            </a:avLst>
+          </a:prstGeom>
+          <a:ln w="76200">
+            <a:tailEnd type="triangle"/>
+          </a:ln>
+        </p:spPr>
+        <p:style>
+          <a:lnRef idx="1">
+            <a:schemeClr val="accent1"/>
+          </a:lnRef>
+          <a:fillRef idx="0">
+            <a:schemeClr val="accent1"/>
+          </a:fillRef>
+          <a:effectRef idx="0">
+            <a:schemeClr val="accent1"/>
+          </a:effectRef>
+          <a:fontRef idx="minor">
+            <a:schemeClr val="tx1"/>
+          </a:fontRef>
+        </p:style>
+      </p:cxnSp>
+      <p:sp>
+        <p:nvSpPr>
+          <p:cNvPr id="22" name="곱하기 기호 21">
+            <a:extLst>
+              <a:ext uri="{FF2B5EF4-FFF2-40B4-BE49-F238E27FC236}">
+                <a16:creationId xmlns:a16="http://schemas.microsoft.com/office/drawing/2014/main" id="{7CADA9E2-EF6B-4F11-B29B-6CD6215962B7}"/>
+              </a:ext>
+            </a:extLst>
+          </p:cNvPr>
+          <p:cNvSpPr/>
+          <p:nvPr/>
+        </p:nvSpPr>
+        <p:spPr>
+          <a:xfrm>
+            <a:off x="4547309" y="2428062"/>
+            <a:ext cx="838200" cy="783616"/>
+          </a:xfrm>
+          <a:prstGeom prst="mathMultiply">
+            <a:avLst/>
+          </a:prstGeom>
+          <a:solidFill>
+            <a:srgbClr val="C00000"/>
+          </a:solidFill>
+        </p:spPr>
+        <p:style>
+          <a:lnRef idx="2">
+            <a:schemeClr val="accent1">
+              <a:shade val="50000"/>
+            </a:schemeClr>
+          </a:lnRef>
+          <a:fillRef idx="1">
+            <a:schemeClr val="accent1"/>
+          </a:fillRef>
+          <a:effectRef idx="0">
+            <a:schemeClr val="accent1"/>
+          </a:effectRef>
+          <a:fontRef idx="minor">
+            <a:schemeClr val="lt1"/>
+          </a:fontRef>
+        </p:style>
+        <p:txBody>
+          <a:bodyPr rtlCol="0" anchor="ctr"/>
+          <a:lstStyle/>
+          <a:p>
+            <a:pPr algn="ctr"/>
+            <a:endParaRPr lang="ko-KR" altLang="en-US"/>
+          </a:p>
+        </p:txBody>
+      </p:sp>
+      <p:pic>
+        <p:nvPicPr>
+          <p:cNvPr id="23" name="그림 22">
+            <a:extLst>
+              <a:ext uri="{FF2B5EF4-FFF2-40B4-BE49-F238E27FC236}">
+                <a16:creationId xmlns:a16="http://schemas.microsoft.com/office/drawing/2014/main" id="{0A83CD3F-1DD1-46C5-B8B5-4F2B12D1FEFD}"/>
+              </a:ext>
+            </a:extLst>
+          </p:cNvPr>
+          <p:cNvPicPr>
+            <a:picLocks noChangeAspect="1"/>
+          </p:cNvPicPr>
+          <p:nvPr/>
+        </p:nvPicPr>
+        <p:blipFill>
+          <a:blip r:embed="rId4"/>
+          <a:stretch>
+            <a:fillRect/>
+          </a:stretch>
+        </p:blipFill>
+        <p:spPr>
+          <a:xfrm>
+            <a:off x="540315" y="583392"/>
+            <a:ext cx="5525707" cy="808004"/>
           </a:xfrm>
           <a:prstGeom prst="rect">
             <a:avLst/>
@@ -6976,7 +7560,7 @@
     </p:spTree>
     <p:extLst>
       <p:ext uri="{BB962C8B-B14F-4D97-AF65-F5344CB8AC3E}">
-        <p14:creationId xmlns:p14="http://schemas.microsoft.com/office/powerpoint/2010/main" val="505151473"/>
+        <p14:creationId xmlns:p14="http://schemas.microsoft.com/office/powerpoint/2010/main" val="935683855"/>
       </p:ext>
     </p:extLst>
   </p:cSld>
@@ -7005,10 +7589,10 @@
       </p:grpSpPr>
       <p:pic>
         <p:nvPicPr>
-          <p:cNvPr id="3" name="그림 2">
-            <a:extLst>
-              <a:ext uri="{FF2B5EF4-FFF2-40B4-BE49-F238E27FC236}">
-                <a16:creationId xmlns:a16="http://schemas.microsoft.com/office/drawing/2014/main" id="{244B1475-4266-4BB7-A93F-7E7B34DADBDA}"/>
+          <p:cNvPr id="2" name="그림 1">
+            <a:extLst>
+              <a:ext uri="{FF2B5EF4-FFF2-40B4-BE49-F238E27FC236}">
+                <a16:creationId xmlns:a16="http://schemas.microsoft.com/office/drawing/2014/main" id="{B0C1C61A-1088-47D9-98F6-2F5B21F1F619}"/>
               </a:ext>
             </a:extLst>
           </p:cNvPr>
@@ -7025,8 +7609,8 @@
         </p:blipFill>
         <p:spPr>
           <a:xfrm>
-            <a:off x="1396278" y="1032430"/>
-            <a:ext cx="4699722" cy="4285300"/>
+            <a:off x="2336733" y="1064567"/>
+            <a:ext cx="5573250" cy="2263467"/>
           </a:xfrm>
           <a:prstGeom prst="rect">
             <a:avLst/>
@@ -7035,10 +7619,10 @@
       </p:pic>
       <p:pic>
         <p:nvPicPr>
-          <p:cNvPr id="4" name="그림 3">
-            <a:extLst>
-              <a:ext uri="{FF2B5EF4-FFF2-40B4-BE49-F238E27FC236}">
-                <a16:creationId xmlns:a16="http://schemas.microsoft.com/office/drawing/2014/main" id="{CD85883B-7C00-4C82-91FC-87C791358B7C}"/>
+          <p:cNvPr id="3" name="그림 2">
+            <a:extLst>
+              <a:ext uri="{FF2B5EF4-FFF2-40B4-BE49-F238E27FC236}">
+                <a16:creationId xmlns:a16="http://schemas.microsoft.com/office/drawing/2014/main" id="{8687B21A-78F7-46D6-9848-C6E8B2785044}"/>
               </a:ext>
             </a:extLst>
           </p:cNvPr>
@@ -7055,8 +7639,8 @@
         </p:blipFill>
         <p:spPr>
           <a:xfrm>
-            <a:off x="7242129" y="2855652"/>
-            <a:ext cx="2714671" cy="1352470"/>
+            <a:off x="2336733" y="3328034"/>
+            <a:ext cx="8050863" cy="1701165"/>
           </a:xfrm>
           <a:prstGeom prst="rect">
             <a:avLst/>
@@ -7066,7 +7650,7 @@
     </p:spTree>
     <p:extLst>
       <p:ext uri="{BB962C8B-B14F-4D97-AF65-F5344CB8AC3E}">
-        <p14:creationId xmlns:p14="http://schemas.microsoft.com/office/powerpoint/2010/main" val="493890097"/>
+        <p14:creationId xmlns:p14="http://schemas.microsoft.com/office/powerpoint/2010/main" val="505151473"/>
       </p:ext>
     </p:extLst>
   </p:cSld>
